--- a/Documents/הגשת פרויקט/Final_exam_Presentation.pptx
+++ b/Documents/הגשת פרויקט/Final_exam_Presentation.pptx
@@ -6,7 +6,7 @@
     <p:sldMasterId id="2147483650" r:id="rId2"/>
   </p:sldMasterIdLst>
   <p:notesMasterIdLst>
-    <p:notesMasterId r:id="rId25"/>
+    <p:notesMasterId r:id="rId26"/>
   </p:notesMasterIdLst>
   <p:sldIdLst>
     <p:sldId id="256" r:id="rId3"/>
@@ -31,6 +31,7 @@
     <p:sldId id="288" r:id="rId22"/>
     <p:sldId id="289" r:id="rId23"/>
     <p:sldId id="278" r:id="rId24"/>
+    <p:sldId id="290" r:id="rId25"/>
   </p:sldIdLst>
   <p:sldSz cx="9144000" cy="6858000" type="screen4x3"/>
   <p:notesSz cx="6858000" cy="9144000"/>
@@ -210,6 +211,7 @@
             <p14:sldId id="288"/>
             <p14:sldId id="289"/>
             <p14:sldId id="278"/>
+            <p14:sldId id="290"/>
           </p14:sldIdLst>
         </p14:section>
       </p14:sectionLst>
@@ -10845,6 +10847,178 @@
               <a:bodyPr/>
               <a:lstStyle/>
               <a:p>
+                <a:pPr lvl="0" algn="r" rtl="1"/>
+                <a:r>
+                  <a:rPr lang="he-IL" dirty="0" smtClean="0"/>
+                  <a:t>מקבול כזה:</a:t>
+                </a:r>
+                <a:endParaRPr lang="en-US" dirty="0" smtClean="0"/>
+              </a:p>
+              <a:p>
+                <a:pPr lvl="1" algn="r" rtl="1"/>
+                <a:r>
+                  <a:rPr lang="he-IL" dirty="0" smtClean="0"/>
+                  <a:t>עדיף לתת לכל תהליכון מספיק עבודה כך שמערכת ההפעלה תשקיע את המשאבים בעבודה עצמה ולא בניהול תהליכונים.</a:t>
+                </a:r>
+                <a:endParaRPr lang="en-US" dirty="0" smtClean="0"/>
+              </a:p>
+              <a:p>
+                <a:pPr lvl="1" algn="r" rtl="1"/>
+                <a:r>
+                  <a:rPr lang="he-IL" dirty="0" smtClean="0"/>
+                  <a:t>מקבול שכזה מונע בעייתיות של תהליכונים שסיימו את עבודתם וממתינים לתהליכונים אחרים. במקבול התהליך – אין שום תלות בין התהליכונים.</a:t>
+                </a:r>
+                <a:endParaRPr lang="en-US" dirty="0" smtClean="0"/>
+              </a:p>
+              <a:p>
+                <a:pPr lvl="1" algn="r" rtl="1"/>
+                <a:r>
+                  <a:rPr lang="he-IL" dirty="0" smtClean="0"/>
+                  <a:t>הרצת כל קריאה על פני תהליכון יחיד עוזרת מבחינת העומס על הזכרון. סטטיסטית – ישנן פחות רקורסיות "עמוקות" באותו הזמן.</a:t>
+                </a:r>
+              </a:p>
+              <a:p>
+                <a:pPr lvl="1" algn="r" rtl="1"/>
+                <a:endParaRPr lang="he-IL" dirty="0" smtClean="0"/>
+              </a:p>
+              <a:p>
+                <a:pPr marL="457200" marR="0" lvl="1" indent="0" algn="r" defTabSz="914400" rtl="1" eaLnBrk="1" fontAlgn="base" latinLnBrk="0" hangingPunct="1">
+                  <a:lnSpc>
+                    <a:spcPct val="100000"/>
+                  </a:lnSpc>
+                  <a:spcBef>
+                    <a:spcPct val="30000"/>
+                  </a:spcBef>
+                  <a:spcAft>
+                    <a:spcPct val="0"/>
+                  </a:spcAft>
+                  <a:buClrTx/>
+                  <a:buSzTx/>
+                  <a:buFontTx/>
+                  <a:buNone/>
+                  <a:tabLst/>
+                  <a:defRPr/>
+                </a:pPr>
+                <a:r>
+                  <a:rPr lang="he-IL" dirty="0" smtClean="0"/>
+                  <a:t>מאידך, נראה שמיון הדגימות, לא עוזר לשפר את זמן הריצה באופן ניכר.</a:t>
+                </a:r>
+              </a:p>
+              <a:p>
+                <a:pPr marL="457200" marR="0" lvl="1" indent="0" algn="r" defTabSz="914400" rtl="1" eaLnBrk="1" fontAlgn="base" latinLnBrk="0" hangingPunct="1">
+                  <a:lnSpc>
+                    <a:spcPct val="100000"/>
+                  </a:lnSpc>
+                  <a:spcBef>
+                    <a:spcPct val="30000"/>
+                  </a:spcBef>
+                  <a:spcAft>
+                    <a:spcPct val="0"/>
+                  </a:spcAft>
+                  <a:buClrTx/>
+                  <a:buSzTx/>
+                  <a:buFontTx/>
+                  <a:buNone/>
+                  <a:tabLst/>
+                  <a:defRPr/>
+                </a:pPr>
+                <a:endParaRPr lang="he-IL" dirty="0" smtClean="0"/>
+              </a:p>
+              <a:p>
+                <a:pPr marL="457200" marR="0" lvl="1" indent="0" algn="r" defTabSz="914400" rtl="1" eaLnBrk="1" fontAlgn="base" latinLnBrk="0" hangingPunct="1">
+                  <a:lnSpc>
+                    <a:spcPct val="100000"/>
+                  </a:lnSpc>
+                  <a:spcBef>
+                    <a:spcPct val="30000"/>
+                  </a:spcBef>
+                  <a:spcAft>
+                    <a:spcPct val="0"/>
+                  </a:spcAft>
+                  <a:buClrTx/>
+                  <a:buSzTx/>
+                  <a:buFontTx/>
+                  <a:buNone/>
+                  <a:tabLst/>
+                  <a:defRPr/>
+                </a:pPr>
+                <a:r>
+                  <a:rPr lang="he-IL" dirty="0" smtClean="0"/>
+                  <a:t>להמשך:</a:t>
+                </a:r>
+              </a:p>
+              <a:p>
+                <a:pPr marL="457200" marR="0" lvl="1" indent="0" algn="r" defTabSz="914400" rtl="1" eaLnBrk="1" fontAlgn="base" latinLnBrk="0" hangingPunct="1">
+                  <a:lnSpc>
+                    <a:spcPct val="100000"/>
+                  </a:lnSpc>
+                  <a:spcBef>
+                    <a:spcPct val="30000"/>
+                  </a:spcBef>
+                  <a:spcAft>
+                    <a:spcPct val="0"/>
+                  </a:spcAft>
+                  <a:buClrTx/>
+                  <a:buSzTx/>
+                  <a:buFontTx/>
+                  <a:buNone/>
+                  <a:tabLst/>
+                  <a:defRPr/>
+                </a:pPr>
+                <a:r>
+                  <a:rPr lang="he-IL" dirty="0" smtClean="0"/>
+                  <a:t>כרטיס מסך</a:t>
+                </a:r>
+              </a:p>
+              <a:p>
+                <a:pPr marL="457200" marR="0" lvl="1" indent="0" algn="r" defTabSz="914400" rtl="1" eaLnBrk="1" fontAlgn="base" latinLnBrk="0" hangingPunct="1">
+                  <a:lnSpc>
+                    <a:spcPct val="100000"/>
+                  </a:lnSpc>
+                  <a:spcBef>
+                    <a:spcPct val="30000"/>
+                  </a:spcBef>
+                  <a:spcAft>
+                    <a:spcPct val="0"/>
+                  </a:spcAft>
+                  <a:buClrTx/>
+                  <a:buSzTx/>
+                  <a:buFontTx/>
+                  <a:buNone/>
+                  <a:tabLst/>
+                  <a:defRPr/>
+                </a:pPr>
+                <a:r>
+                  <a:rPr lang="he-IL" dirty="0" smtClean="0"/>
+                  <a:t>הרקורסיה של האלגוריתם מעמיסה על הזכרון ובעייתית בהעברת המימוש לכרטיס מסך.</a:t>
+                </a:r>
+                <a:endParaRPr lang="en-US" dirty="0" smtClean="0"/>
+              </a:p>
+              <a:p>
+                <a:pPr marL="457200" marR="0" lvl="1" indent="0" algn="r" defTabSz="914400" rtl="1" eaLnBrk="1" fontAlgn="base" latinLnBrk="0" hangingPunct="1">
+                  <a:lnSpc>
+                    <a:spcPct val="100000"/>
+                  </a:lnSpc>
+                  <a:spcBef>
+                    <a:spcPct val="30000"/>
+                  </a:spcBef>
+                  <a:spcAft>
+                    <a:spcPct val="0"/>
+                  </a:spcAft>
+                  <a:buClrTx/>
+                  <a:buSzTx/>
+                  <a:buFontTx/>
+                  <a:buNone/>
+                  <a:tabLst/>
+                  <a:defRPr/>
+                </a:pPr>
+                <a:endParaRPr lang="he-IL" dirty="0" smtClean="0"/>
+              </a:p>
+              <a:p>
+                <a:pPr lvl="1" algn="r" rtl="1"/>
+                <a:endParaRPr lang="en-US" dirty="0" smtClean="0"/>
+              </a:p>
+              <a:p>
                 <a:pPr algn="r"/>
                 <a:endParaRPr lang="he-IL" dirty="0"/>
               </a:p>
@@ -11517,6 +11691,742 @@
               <a:rPr lang="en-US" altLang="he-IL" smtClean="0"/>
               <a:pPr/>
               <a:t>22</a:t>
+            </a:fld>
+            <a:endParaRPr lang="en-US" altLang="he-IL"/>
+          </a:p>
+        </p:txBody>
+      </p:sp>
+    </p:spTree>
+    <p:extLst>
+      <p:ext uri="{BB962C8B-B14F-4D97-AF65-F5344CB8AC3E}">
+        <p14:creationId xmlns:p14="http://schemas.microsoft.com/office/powerpoint/2010/main" val="1335780148"/>
+      </p:ext>
+    </p:extLst>
+  </p:cSld>
+  <p:clrMapOvr>
+    <a:masterClrMapping/>
+  </p:clrMapOvr>
+</p:notes>
+</file>
+
+<file path=ppt/notesSlides/notesSlide23.xml><?xml version="1.0" encoding="utf-8"?>
+<p:notes xmlns:a="http://schemas.openxmlformats.org/drawingml/2006/main" xmlns:r="http://schemas.openxmlformats.org/officeDocument/2006/relationships" xmlns:p="http://schemas.openxmlformats.org/presentationml/2006/main">
+  <p:cSld>
+    <p:spTree>
+      <p:nvGrpSpPr>
+        <p:cNvPr id="1" name=""/>
+        <p:cNvGrpSpPr/>
+        <p:nvPr/>
+      </p:nvGrpSpPr>
+      <p:grpSpPr>
+        <a:xfrm>
+          <a:off x="0" y="0"/>
+          <a:ext cx="0" cy="0"/>
+          <a:chOff x="0" y="0"/>
+          <a:chExt cx="0" cy="0"/>
+        </a:xfrm>
+      </p:grpSpPr>
+      <p:sp>
+        <p:nvSpPr>
+          <p:cNvPr id="2" name="Slide Image Placeholder 1"/>
+          <p:cNvSpPr>
+            <a:spLocks noGrp="1" noRot="1" noChangeAspect="1"/>
+          </p:cNvSpPr>
+          <p:nvPr>
+            <p:ph type="sldImg"/>
+          </p:nvPr>
+        </p:nvSpPr>
+        <p:spPr/>
+      </p:sp>
+      <mc:AlternateContent xmlns:mc="http://schemas.openxmlformats.org/markup-compatibility/2006" xmlns:a14="http://schemas.microsoft.com/office/drawing/2010/main">
+        <mc:Choice Requires="a14">
+          <p:sp>
+            <p:nvSpPr>
+              <p:cNvPr id="3" name="Notes Placeholder 2"/>
+              <p:cNvSpPr>
+                <a:spLocks noGrp="1"/>
+              </p:cNvSpPr>
+              <p:nvPr>
+                <p:ph type="body" idx="1"/>
+              </p:nvPr>
+            </p:nvSpPr>
+            <p:spPr/>
+            <p:txBody>
+              <a:bodyPr/>
+              <a:lstStyle/>
+              <a:p>
+                <a:pPr algn="r"/>
+                <a:endParaRPr lang="he-IL" dirty="0"/>
+              </a:p>
+            </p:txBody>
+          </p:sp>
+        </mc:Choice>
+        <mc:Fallback xmlns="">
+          <p:sp>
+            <p:nvSpPr>
+              <p:cNvPr id="3" name="Notes Placeholder 2"/>
+              <p:cNvSpPr>
+                <a:spLocks noGrp="1"/>
+              </p:cNvSpPr>
+              <p:nvPr>
+                <p:ph type="body" idx="1"/>
+              </p:nvPr>
+            </p:nvSpPr>
+            <p:spPr/>
+            <p:txBody>
+              <a:bodyPr/>
+              <a:lstStyle/>
+              <a:p>
+                <a:pPr algn="r" rtl="1"/>
+                <a:r>
+                  <a:rPr lang="he-IL" sz="1200" kern="1200" dirty="0" smtClean="0">
+                    <a:solidFill>
+                      <a:schemeClr val="tx1"/>
+                    </a:solidFill>
+                    <a:effectLst/>
+                    <a:latin typeface="Arial" pitchFamily="34" charset="0"/>
+                    <a:ea typeface="+mn-ea"/>
+                    <a:cs typeface="+mn-cs"/>
+                  </a:rPr>
+                  <a:t>אם כן, את המידע המגולם ב</a:t>
+                </a:r>
+                <a:r>
+                  <a:rPr lang="en-US" sz="1200" kern="1200" dirty="0">
+                    <a:solidFill>
+                      <a:schemeClr val="tx1"/>
+                    </a:solidFill>
+                    <a:effectLst/>
+                    <a:latin typeface="Arial" pitchFamily="34" charset="0"/>
+                    <a:ea typeface="+mn-ea"/>
+                    <a:cs typeface="+mn-cs"/>
+                  </a:rPr>
+                  <a:t>DNA</a:t>
+                </a:r>
+                <a:r>
+                  <a:rPr lang="he-IL" sz="1200" kern="1200" dirty="0">
+                    <a:solidFill>
+                      <a:schemeClr val="tx1"/>
+                    </a:solidFill>
+                    <a:effectLst/>
+                    <a:latin typeface="Arial" pitchFamily="34" charset="0"/>
+                    <a:ea typeface="+mn-ea"/>
+                    <a:cs typeface="+mn-cs"/>
+                  </a:rPr>
+                  <a:t> ניתן לייצג כמחרוזת של הבסיסים המרכיבים אותו, וכך נתייחס אליו בפרויקט זה (לדוג': </a:t>
+                </a:r>
+                <a:r>
+                  <a:rPr lang="en-US" sz="1200" kern="1200" dirty="0">
+                    <a:solidFill>
+                      <a:schemeClr val="tx1"/>
+                    </a:solidFill>
+                    <a:effectLst/>
+                    <a:latin typeface="Arial" pitchFamily="34" charset="0"/>
+                    <a:ea typeface="+mn-ea"/>
+                    <a:cs typeface="+mn-cs"/>
+                  </a:rPr>
+                  <a:t>TGACCGTCAG</a:t>
+                </a:r>
+                <a:r>
+                  <a:rPr lang="he-IL" sz="1200" kern="1200" dirty="0">
+                    <a:solidFill>
+                      <a:schemeClr val="tx1"/>
+                    </a:solidFill>
+                    <a:effectLst/>
+                    <a:latin typeface="Arial" pitchFamily="34" charset="0"/>
+                    <a:ea typeface="+mn-ea"/>
+                    <a:cs typeface="+mn-cs"/>
+                  </a:rPr>
+                  <a:t>....)</a:t>
+                </a:r>
+                <a:endParaRPr lang="en-US" sz="1200" kern="1200" dirty="0">
+                  <a:solidFill>
+                    <a:schemeClr val="tx1"/>
+                  </a:solidFill>
+                  <a:effectLst/>
+                  <a:latin typeface="Arial" pitchFamily="34" charset="0"/>
+                  <a:ea typeface="+mn-ea"/>
+                  <a:cs typeface="+mn-cs"/>
+                </a:endParaRPr>
+              </a:p>
+              <a:p>
+                <a:pPr algn="r" rtl="1"/>
+                <a:r>
+                  <a:rPr lang="he-IL" sz="1200" kern="1200" dirty="0">
+                    <a:solidFill>
+                      <a:schemeClr val="tx1"/>
+                    </a:solidFill>
+                    <a:effectLst/>
+                    <a:latin typeface="Arial" pitchFamily="34" charset="0"/>
+                    <a:ea typeface="+mn-ea"/>
+                    <a:cs typeface="+mn-cs"/>
+                  </a:rPr>
+                  <a:t> </a:t>
+                </a:r>
+                <a:endParaRPr lang="en-US" sz="1200" kern="1200" dirty="0">
+                  <a:solidFill>
+                    <a:schemeClr val="tx1"/>
+                  </a:solidFill>
+                  <a:effectLst/>
+                  <a:latin typeface="Arial" pitchFamily="34" charset="0"/>
+                  <a:ea typeface="+mn-ea"/>
+                  <a:cs typeface="+mn-cs"/>
+                </a:endParaRPr>
+              </a:p>
+              <a:p>
+                <a:pPr algn="r" rtl="1"/>
+                <a:r>
+                  <a:rPr lang="he-IL" sz="1200" kern="1200" dirty="0">
+                    <a:solidFill>
+                      <a:schemeClr val="tx1"/>
+                    </a:solidFill>
+                    <a:effectLst/>
+                    <a:latin typeface="Arial" pitchFamily="34" charset="0"/>
+                    <a:ea typeface="+mn-ea"/>
+                    <a:cs typeface="+mn-cs"/>
+                  </a:rPr>
+                  <a:t>ה</a:t>
+                </a:r>
+                <a:r>
+                  <a:rPr lang="en-US" sz="1200" kern="1200" dirty="0">
+                    <a:solidFill>
+                      <a:schemeClr val="tx1"/>
+                    </a:solidFill>
+                    <a:effectLst/>
+                    <a:latin typeface="Arial" pitchFamily="34" charset="0"/>
+                    <a:ea typeface="+mn-ea"/>
+                    <a:cs typeface="+mn-cs"/>
+                  </a:rPr>
+                  <a:t>DNA </a:t>
+                </a:r>
+                <a:r>
+                  <a:rPr lang="he-IL" sz="1200" kern="1200" dirty="0">
+                    <a:solidFill>
+                      <a:schemeClr val="tx1"/>
+                    </a:solidFill>
+                    <a:effectLst/>
+                    <a:latin typeface="Arial" pitchFamily="34" charset="0"/>
+                    <a:ea typeface="+mn-ea"/>
+                    <a:cs typeface="+mn-cs"/>
+                  </a:rPr>
+                  <a:t> מורכב מכ</a:t>
+                </a:r>
+                <a:r>
+                  <a:rPr lang="en-US" sz="1200" i="0" kern="1200">
+                    <a:solidFill>
+                      <a:schemeClr val="tx1"/>
+                    </a:solidFill>
+                    <a:effectLst/>
+                    <a:latin typeface="Cambria Math"/>
+                    <a:ea typeface="+mn-ea"/>
+                    <a:cs typeface="+mn-cs"/>
+                  </a:rPr>
+                  <a:t>〖6 𝑋10〗^9</a:t>
+                </a:r>
+                <a:r>
+                  <a:rPr lang="he-IL" sz="1200" kern="1200" dirty="0">
+                    <a:solidFill>
+                      <a:schemeClr val="tx1"/>
+                    </a:solidFill>
+                    <a:effectLst/>
+                    <a:latin typeface="Arial" pitchFamily="34" charset="0"/>
+                    <a:ea typeface="+mn-ea"/>
+                    <a:cs typeface="+mn-cs"/>
+                  </a:rPr>
+                  <a:t> שלבים. במונחים דיגיטלים, המידע הגלום ב</a:t>
+                </a:r>
+                <a:r>
+                  <a:rPr lang="en-US" sz="1200" kern="1200" dirty="0">
+                    <a:solidFill>
+                      <a:schemeClr val="tx1"/>
+                    </a:solidFill>
+                    <a:effectLst/>
+                    <a:latin typeface="Arial" pitchFamily="34" charset="0"/>
+                    <a:ea typeface="+mn-ea"/>
+                    <a:cs typeface="+mn-cs"/>
+                  </a:rPr>
+                  <a:t>DNA </a:t>
+                </a:r>
+                <a:r>
+                  <a:rPr lang="he-IL" sz="1200" kern="1200" dirty="0">
+                    <a:solidFill>
+                      <a:schemeClr val="tx1"/>
+                    </a:solidFill>
+                    <a:effectLst/>
+                    <a:latin typeface="Arial" pitchFamily="34" charset="0"/>
+                    <a:ea typeface="+mn-ea"/>
+                    <a:cs typeface="+mn-cs"/>
+                  </a:rPr>
+                  <a:t> שווה ערך למעט יותר מ</a:t>
+                </a:r>
+                <a:r>
+                  <a:rPr lang="en-US" sz="1200" kern="1200" dirty="0">
+                    <a:solidFill>
+                      <a:schemeClr val="tx1"/>
+                    </a:solidFill>
+                    <a:effectLst/>
+                    <a:latin typeface="Arial" pitchFamily="34" charset="0"/>
+                    <a:ea typeface="+mn-ea"/>
+                    <a:cs typeface="+mn-cs"/>
+                  </a:rPr>
+                  <a:t> 1.6 GB </a:t>
+                </a:r>
+                <a:r>
+                  <a:rPr lang="he-IL" sz="1200" kern="1200" dirty="0">
+                    <a:solidFill>
+                      <a:schemeClr val="tx1"/>
+                    </a:solidFill>
+                    <a:effectLst/>
+                    <a:latin typeface="Arial" pitchFamily="34" charset="0"/>
+                    <a:ea typeface="+mn-ea"/>
+                    <a:cs typeface="+mn-cs"/>
+                  </a:rPr>
+                  <a:t>(או כ2 דיסקים...)</a:t>
+                </a:r>
+                <a:endParaRPr lang="en-US" sz="1200" kern="1200" dirty="0">
+                  <a:solidFill>
+                    <a:schemeClr val="tx1"/>
+                  </a:solidFill>
+                  <a:effectLst/>
+                  <a:latin typeface="Arial" pitchFamily="34" charset="0"/>
+                  <a:ea typeface="+mn-ea"/>
+                  <a:cs typeface="+mn-cs"/>
+                </a:endParaRPr>
+              </a:p>
+              <a:p>
+                <a:pPr algn="r" rtl="1"/>
+                <a:r>
+                  <a:rPr lang="he-IL" sz="1200" kern="1200" dirty="0">
+                    <a:solidFill>
+                      <a:schemeClr val="tx1"/>
+                    </a:solidFill>
+                    <a:effectLst/>
+                    <a:latin typeface="Arial" pitchFamily="34" charset="0"/>
+                    <a:ea typeface="+mn-ea"/>
+                    <a:cs typeface="+mn-cs"/>
+                  </a:rPr>
+                  <a:t> </a:t>
+                </a:r>
+                <a:endParaRPr lang="en-US" sz="1200" kern="1200" dirty="0">
+                  <a:solidFill>
+                    <a:schemeClr val="tx1"/>
+                  </a:solidFill>
+                  <a:effectLst/>
+                  <a:latin typeface="Arial" pitchFamily="34" charset="0"/>
+                  <a:ea typeface="+mn-ea"/>
+                  <a:cs typeface="+mn-cs"/>
+                </a:endParaRPr>
+              </a:p>
+              <a:p>
+                <a:pPr algn="r" rtl="1"/>
+                <a:r>
+                  <a:rPr lang="he-IL" sz="1200" kern="1200" dirty="0">
+                    <a:solidFill>
+                      <a:schemeClr val="tx1"/>
+                    </a:solidFill>
+                    <a:effectLst/>
+                    <a:latin typeface="Arial" pitchFamily="34" charset="0"/>
+                    <a:ea typeface="+mn-ea"/>
+                    <a:cs typeface="+mn-cs"/>
+                  </a:rPr>
+                  <a:t>כמו כן, </a:t>
+                </a:r>
+                <a:r>
+                  <a:rPr lang="en-US" sz="1200" kern="1200" dirty="0">
+                    <a:solidFill>
+                      <a:schemeClr val="tx1"/>
+                    </a:solidFill>
+                    <a:effectLst/>
+                    <a:latin typeface="Arial" pitchFamily="34" charset="0"/>
+                    <a:ea typeface="+mn-ea"/>
+                    <a:cs typeface="+mn-cs"/>
+                  </a:rPr>
+                  <a:t>DNA</a:t>
+                </a:r>
+                <a:r>
+                  <a:rPr lang="he-IL" sz="1200" kern="1200" dirty="0">
+                    <a:solidFill>
+                      <a:schemeClr val="tx1"/>
+                    </a:solidFill>
+                    <a:effectLst/>
+                    <a:latin typeface="Arial" pitchFamily="34" charset="0"/>
+                    <a:ea typeface="+mn-ea"/>
+                    <a:cs typeface="+mn-cs"/>
+                  </a:rPr>
+                  <a:t> יכול לעבור מוטציה, שינוי. רוב המוטציות אינן מזיקות אך אם הן מופיעות במקומות מסוימים על גבי רצף ה</a:t>
+                </a:r>
+                <a:r>
+                  <a:rPr lang="en-US" sz="1200" kern="1200" dirty="0">
+                    <a:solidFill>
+                      <a:schemeClr val="tx1"/>
+                    </a:solidFill>
+                    <a:effectLst/>
+                    <a:latin typeface="Arial" pitchFamily="34" charset="0"/>
+                    <a:ea typeface="+mn-ea"/>
+                    <a:cs typeface="+mn-cs"/>
+                  </a:rPr>
+                  <a:t>DNA</a:t>
+                </a:r>
+                <a:r>
+                  <a:rPr lang="he-IL" sz="1200" kern="1200" dirty="0">
+                    <a:solidFill>
+                      <a:schemeClr val="tx1"/>
+                    </a:solidFill>
+                    <a:effectLst/>
+                    <a:latin typeface="Arial" pitchFamily="34" charset="0"/>
+                    <a:ea typeface="+mn-ea"/>
+                    <a:cs typeface="+mn-cs"/>
+                  </a:rPr>
+                  <a:t> הן יכולות לגרום לבעיות גנטיות וביניהן  לנטיה למחלות גנטיות ובפרט לסרטן. </a:t>
+                </a:r>
+                <a:endParaRPr lang="en-US" sz="1200" kern="1200" dirty="0">
+                  <a:solidFill>
+                    <a:schemeClr val="tx1"/>
+                  </a:solidFill>
+                  <a:effectLst/>
+                  <a:latin typeface="Arial" pitchFamily="34" charset="0"/>
+                  <a:ea typeface="+mn-ea"/>
+                  <a:cs typeface="+mn-cs"/>
+                </a:endParaRPr>
+              </a:p>
+              <a:p>
+                <a:pPr algn="r" rtl="1"/>
+                <a:r>
+                  <a:rPr lang="he-IL" sz="1200" kern="1200" dirty="0">
+                    <a:solidFill>
+                      <a:schemeClr val="tx1"/>
+                    </a:solidFill>
+                    <a:effectLst/>
+                    <a:latin typeface="Arial" pitchFamily="34" charset="0"/>
+                    <a:ea typeface="+mn-ea"/>
+                    <a:cs typeface="+mn-cs"/>
+                  </a:rPr>
+                  <a:t> </a:t>
+                </a:r>
+                <a:endParaRPr lang="en-US" sz="1200" kern="1200" dirty="0">
+                  <a:solidFill>
+                    <a:schemeClr val="tx1"/>
+                  </a:solidFill>
+                  <a:effectLst/>
+                  <a:latin typeface="Arial" pitchFamily="34" charset="0"/>
+                  <a:ea typeface="+mn-ea"/>
+                  <a:cs typeface="+mn-cs"/>
+                </a:endParaRPr>
+              </a:p>
+              <a:p>
+                <a:pPr algn="r" rtl="1"/>
+                <a:r>
+                  <a:rPr lang="he-IL" sz="1200" kern="1200" dirty="0">
+                    <a:solidFill>
+                      <a:schemeClr val="tx1"/>
+                    </a:solidFill>
+                    <a:effectLst/>
+                    <a:latin typeface="Arial" pitchFamily="34" charset="0"/>
+                    <a:ea typeface="+mn-ea"/>
+                    <a:cs typeface="+mn-cs"/>
+                  </a:rPr>
+                  <a:t>כיום כאשר חולה מגיע לאבחון לראות האם הוא חולה בסרטן, תהליך הבדיקה הוא ארוך ומסורבל:</a:t>
+                </a:r>
+                <a:endParaRPr lang="en-US" sz="1200" kern="1200" dirty="0">
+                  <a:solidFill>
+                    <a:schemeClr val="tx1"/>
+                  </a:solidFill>
+                  <a:effectLst/>
+                  <a:latin typeface="Arial" pitchFamily="34" charset="0"/>
+                  <a:ea typeface="+mn-ea"/>
+                  <a:cs typeface="+mn-cs"/>
+                </a:endParaRPr>
+              </a:p>
+              <a:p>
+                <a:pPr lvl="0" algn="r" rtl="1"/>
+                <a:r>
+                  <a:rPr lang="he-IL" sz="1200" kern="1200" dirty="0">
+                    <a:solidFill>
+                      <a:schemeClr val="tx1"/>
+                    </a:solidFill>
+                    <a:effectLst/>
+                    <a:latin typeface="Arial" pitchFamily="34" charset="0"/>
+                    <a:ea typeface="+mn-ea"/>
+                    <a:cs typeface="+mn-cs"/>
+                  </a:rPr>
+                  <a:t>לקיחת דגימת </a:t>
+                </a:r>
+                <a:r>
+                  <a:rPr lang="en-US" sz="1200" kern="1200" dirty="0">
+                    <a:solidFill>
+                      <a:schemeClr val="tx1"/>
+                    </a:solidFill>
+                    <a:effectLst/>
+                    <a:latin typeface="Arial" pitchFamily="34" charset="0"/>
+                    <a:ea typeface="+mn-ea"/>
+                    <a:cs typeface="+mn-cs"/>
+                  </a:rPr>
+                  <a:t>DNA</a:t>
+                </a:r>
+                <a:r>
+                  <a:rPr lang="he-IL" sz="1200" kern="1200" dirty="0">
+                    <a:solidFill>
+                      <a:schemeClr val="tx1"/>
+                    </a:solidFill>
+                    <a:effectLst/>
+                    <a:latin typeface="Arial" pitchFamily="34" charset="0"/>
+                    <a:ea typeface="+mn-ea"/>
+                    <a:cs typeface="+mn-cs"/>
+                  </a:rPr>
+                  <a:t>.</a:t>
+                </a:r>
+                <a:endParaRPr lang="en-US" sz="1200" kern="1200" dirty="0">
+                  <a:solidFill>
+                    <a:schemeClr val="tx1"/>
+                  </a:solidFill>
+                  <a:effectLst/>
+                  <a:latin typeface="Arial" pitchFamily="34" charset="0"/>
+                  <a:ea typeface="+mn-ea"/>
+                  <a:cs typeface="+mn-cs"/>
+                </a:endParaRPr>
+              </a:p>
+              <a:p>
+                <a:pPr lvl="0" algn="r" rtl="1"/>
+                <a:r>
+                  <a:rPr lang="he-IL" sz="1200" kern="1200" dirty="0">
+                    <a:solidFill>
+                      <a:schemeClr val="tx1"/>
+                    </a:solidFill>
+                    <a:effectLst/>
+                    <a:latin typeface="Arial" pitchFamily="34" charset="0"/>
+                    <a:ea typeface="+mn-ea"/>
+                    <a:cs typeface="+mn-cs"/>
+                  </a:rPr>
+                  <a:t>השוואת ה</a:t>
+                </a:r>
+                <a:r>
+                  <a:rPr lang="en-US" sz="1200" kern="1200" dirty="0">
+                    <a:solidFill>
+                      <a:schemeClr val="tx1"/>
+                    </a:solidFill>
+                    <a:effectLst/>
+                    <a:latin typeface="Arial" pitchFamily="34" charset="0"/>
+                    <a:ea typeface="+mn-ea"/>
+                    <a:cs typeface="+mn-cs"/>
+                  </a:rPr>
+                  <a:t>DNA</a:t>
+                </a:r>
+                <a:r>
+                  <a:rPr lang="he-IL" sz="1200" kern="1200" dirty="0">
+                    <a:solidFill>
+                      <a:schemeClr val="tx1"/>
+                    </a:solidFill>
+                    <a:effectLst/>
+                    <a:latin typeface="Arial" pitchFamily="34" charset="0"/>
+                    <a:ea typeface="+mn-ea"/>
+                    <a:cs typeface="+mn-cs"/>
+                  </a:rPr>
+                  <a:t> ל</a:t>
+                </a:r>
+                <a:r>
+                  <a:rPr lang="en-US" sz="1200" kern="1200" dirty="0">
+                    <a:solidFill>
+                      <a:schemeClr val="tx1"/>
+                    </a:solidFill>
+                    <a:effectLst/>
+                    <a:latin typeface="Arial" pitchFamily="34" charset="0"/>
+                    <a:ea typeface="+mn-ea"/>
+                    <a:cs typeface="+mn-cs"/>
+                  </a:rPr>
+                  <a:t>DNA</a:t>
+                </a:r>
+                <a:r>
+                  <a:rPr lang="he-IL" sz="1200" kern="1200" dirty="0">
+                    <a:solidFill>
+                      <a:schemeClr val="tx1"/>
+                    </a:solidFill>
+                    <a:effectLst/>
+                    <a:latin typeface="Arial" pitchFamily="34" charset="0"/>
+                    <a:ea typeface="+mn-ea"/>
+                    <a:cs typeface="+mn-cs"/>
+                  </a:rPr>
+                  <a:t> של אדם בריא.</a:t>
+                </a:r>
+                <a:endParaRPr lang="en-US" sz="1200" kern="1200" dirty="0">
+                  <a:solidFill>
+                    <a:schemeClr val="tx1"/>
+                  </a:solidFill>
+                  <a:effectLst/>
+                  <a:latin typeface="Arial" pitchFamily="34" charset="0"/>
+                  <a:ea typeface="+mn-ea"/>
+                  <a:cs typeface="+mn-cs"/>
+                </a:endParaRPr>
+              </a:p>
+              <a:p>
+                <a:pPr lvl="0" algn="r" rtl="1"/>
+                <a:r>
+                  <a:rPr lang="he-IL" sz="1200" kern="1200" dirty="0">
+                    <a:solidFill>
+                      <a:schemeClr val="tx1"/>
+                    </a:solidFill>
+                    <a:effectLst/>
+                    <a:latin typeface="Arial" pitchFamily="34" charset="0"/>
+                    <a:ea typeface="+mn-ea"/>
+                    <a:cs typeface="+mn-cs"/>
+                  </a:rPr>
+                  <a:t>איתור מוטציות ב</a:t>
+                </a:r>
+                <a:r>
+                  <a:rPr lang="en-US" sz="1200" kern="1200" dirty="0">
+                    <a:solidFill>
+                      <a:schemeClr val="tx1"/>
+                    </a:solidFill>
+                    <a:effectLst/>
+                    <a:latin typeface="Arial" pitchFamily="34" charset="0"/>
+                    <a:ea typeface="+mn-ea"/>
+                    <a:cs typeface="+mn-cs"/>
+                  </a:rPr>
+                  <a:t>DNA</a:t>
+                </a:r>
+                <a:r>
+                  <a:rPr lang="he-IL" sz="1200" kern="1200" dirty="0">
+                    <a:solidFill>
+                      <a:schemeClr val="tx1"/>
+                    </a:solidFill>
+                    <a:effectLst/>
+                    <a:latin typeface="Arial" pitchFamily="34" charset="0"/>
+                    <a:ea typeface="+mn-ea"/>
+                    <a:cs typeface="+mn-cs"/>
+                  </a:rPr>
+                  <a:t>.</a:t>
+                </a:r>
+                <a:endParaRPr lang="en-US" sz="1200" kern="1200" dirty="0">
+                  <a:solidFill>
+                    <a:schemeClr val="tx1"/>
+                  </a:solidFill>
+                  <a:effectLst/>
+                  <a:latin typeface="Arial" pitchFamily="34" charset="0"/>
+                  <a:ea typeface="+mn-ea"/>
+                  <a:cs typeface="+mn-cs"/>
+                </a:endParaRPr>
+              </a:p>
+              <a:p>
+                <a:pPr lvl="0" algn="r" rtl="1"/>
+                <a:r>
+                  <a:rPr lang="he-IL" sz="1200" kern="1200" dirty="0">
+                    <a:solidFill>
+                      <a:schemeClr val="tx1"/>
+                    </a:solidFill>
+                    <a:effectLst/>
+                    <a:latin typeface="Arial" pitchFamily="34" charset="0"/>
+                    <a:ea typeface="+mn-ea"/>
+                    <a:cs typeface="+mn-cs"/>
+                  </a:rPr>
+                  <a:t>חיפוש ידני במאגרי מידע האם המוטציות הן במקום שידוע כגורם לסרטן.</a:t>
+                </a:r>
+                <a:endParaRPr lang="en-US" sz="1200" kern="1200" dirty="0">
+                  <a:solidFill>
+                    <a:schemeClr val="tx1"/>
+                  </a:solidFill>
+                  <a:effectLst/>
+                  <a:latin typeface="Arial" pitchFamily="34" charset="0"/>
+                  <a:ea typeface="+mn-ea"/>
+                  <a:cs typeface="+mn-cs"/>
+                </a:endParaRPr>
+              </a:p>
+              <a:p>
+                <a:pPr lvl="0" algn="r" rtl="1"/>
+                <a:r>
+                  <a:rPr lang="he-IL" sz="1200" kern="1200" dirty="0">
+                    <a:solidFill>
+                      <a:schemeClr val="tx1"/>
+                    </a:solidFill>
+                    <a:effectLst/>
+                    <a:latin typeface="Arial" pitchFamily="34" charset="0"/>
+                    <a:ea typeface="+mn-ea"/>
+                    <a:cs typeface="+mn-cs"/>
+                  </a:rPr>
+                  <a:t>חיפוש ידני האם קיימת תרופה שעוזרת לסוג המסוים של הסרטן הנ"ל.</a:t>
+                </a:r>
+                <a:endParaRPr lang="en-US" sz="1200" kern="1200" dirty="0">
+                  <a:solidFill>
+                    <a:schemeClr val="tx1"/>
+                  </a:solidFill>
+                  <a:effectLst/>
+                  <a:latin typeface="Arial" pitchFamily="34" charset="0"/>
+                  <a:ea typeface="+mn-ea"/>
+                  <a:cs typeface="+mn-cs"/>
+                </a:endParaRPr>
+              </a:p>
+              <a:p>
+                <a:pPr algn="r" rtl="1"/>
+                <a:r>
+                  <a:rPr lang="he-IL" sz="1200" kern="1200" dirty="0">
+                    <a:solidFill>
+                      <a:schemeClr val="tx1"/>
+                    </a:solidFill>
+                    <a:effectLst/>
+                    <a:latin typeface="Arial" pitchFamily="34" charset="0"/>
+                    <a:ea typeface="+mn-ea"/>
+                    <a:cs typeface="+mn-cs"/>
+                  </a:rPr>
+                  <a:t>בין הבעיות בתהליך זה ניתן לציין את תהליך ההשוואה (2) שלוקח זמן ארוך במיוחד. כיום, בתי החולים שוכרים חוות שרתים ע"מ ליעל את החישוב הארוך של השוואה.</a:t>
+                </a:r>
+                <a:endParaRPr lang="en-US" sz="1200" kern="1200" dirty="0">
+                  <a:solidFill>
+                    <a:schemeClr val="tx1"/>
+                  </a:solidFill>
+                  <a:effectLst/>
+                  <a:latin typeface="Arial" pitchFamily="34" charset="0"/>
+                  <a:ea typeface="+mn-ea"/>
+                  <a:cs typeface="+mn-cs"/>
+                </a:endParaRPr>
+              </a:p>
+              <a:p>
+                <a:pPr algn="r" rtl="1"/>
+                <a:r>
+                  <a:rPr lang="he-IL" sz="1200" kern="1200" dirty="0">
+                    <a:solidFill>
+                      <a:schemeClr val="tx1"/>
+                    </a:solidFill>
+                    <a:effectLst/>
+                    <a:latin typeface="Arial" pitchFamily="34" charset="0"/>
+                    <a:ea typeface="+mn-ea"/>
+                    <a:cs typeface="+mn-cs"/>
+                  </a:rPr>
+                  <a:t>עם זאת, גם כיום שלב זה לוקח כיום שלם – פרויקט זה יתמקד בייעול שלב זה.</a:t>
+                </a:r>
+                <a:endParaRPr lang="en-US" sz="1200" kern="1200" dirty="0">
+                  <a:solidFill>
+                    <a:schemeClr val="tx1"/>
+                  </a:solidFill>
+                  <a:effectLst/>
+                  <a:latin typeface="Arial" pitchFamily="34" charset="0"/>
+                  <a:ea typeface="+mn-ea"/>
+                  <a:cs typeface="+mn-cs"/>
+                </a:endParaRPr>
+              </a:p>
+              <a:p>
+                <a:pPr algn="r"/>
+                <a:endParaRPr lang="he-IL" dirty="0"/>
+              </a:p>
+            </p:txBody>
+          </p:sp>
+        </mc:Fallback>
+      </mc:AlternateContent>
+      <p:sp>
+        <p:nvSpPr>
+          <p:cNvPr id="4" name="Slide Number Placeholder 3"/>
+          <p:cNvSpPr>
+            <a:spLocks noGrp="1"/>
+          </p:cNvSpPr>
+          <p:nvPr>
+            <p:ph type="sldNum" sz="quarter" idx="10"/>
+          </p:nvPr>
+        </p:nvSpPr>
+        <p:spPr/>
+        <p:txBody>
+          <a:bodyPr/>
+          <a:lstStyle/>
+          <a:p>
+            <a:fld id="{BB3C0BDA-275C-4F72-B40D-28BA313A146B}" type="slidenum">
+              <a:rPr lang="en-US" altLang="he-IL" smtClean="0"/>
+              <a:pPr/>
+              <a:t>23</a:t>
             </a:fld>
             <a:endParaRPr lang="en-US" altLang="he-IL"/>
           </a:p>
@@ -32169,6 +33079,180 @@
       </p:grpSpPr>
       <p:sp>
         <p:nvSpPr>
+          <p:cNvPr id="3" name="Rectangle 2"/>
+          <p:cNvSpPr/>
+          <p:nvPr/>
+        </p:nvSpPr>
+        <p:spPr>
+          <a:xfrm>
+            <a:off x="226789" y="1196752"/>
+            <a:ext cx="8820472" cy="4524315"/>
+          </a:xfrm>
+          <a:prstGeom prst="rect">
+            <a:avLst/>
+          </a:prstGeom>
+        </p:spPr>
+        <p:txBody>
+          <a:bodyPr wrap="square">
+            <a:spAutoFit/>
+          </a:bodyPr>
+          <a:lstStyle/>
+          <a:p>
+            <a:pPr algn="r" rtl="1"/>
+            <a:endParaRPr lang="en-US" sz="2400" b="1" dirty="0"/>
+          </a:p>
+          <a:p>
+            <a:pPr marL="342900" lvl="0" indent="-342900" algn="r" rtl="1">
+              <a:buFont typeface="+mj-lt"/>
+              <a:buAutoNum type="arabicPeriod"/>
+            </a:pPr>
+            <a:r>
+              <a:rPr lang="he-IL" sz="2400" dirty="0"/>
+              <a:t>אורך הדגימות אינו משפיע על זמן הריצה של האלגוריתם הממוקבל ביחס לאלגוריתם הסדרתי</a:t>
+            </a:r>
+            <a:r>
+              <a:rPr lang="he-IL" sz="2400" dirty="0" smtClean="0"/>
+              <a:t>. </a:t>
+            </a:r>
+          </a:p>
+          <a:p>
+            <a:pPr marL="342900" lvl="0" indent="-342900" algn="r" rtl="1">
+              <a:buFont typeface="+mj-lt"/>
+              <a:buAutoNum type="arabicPeriod"/>
+            </a:pPr>
+            <a:r>
+              <a:rPr lang="he-IL" sz="2400" dirty="0" smtClean="0"/>
+              <a:t>מיון </a:t>
+            </a:r>
+            <a:r>
+              <a:rPr lang="he-IL" sz="2400" dirty="0"/>
+              <a:t>/ אי מיון הדגימות אינו משפיע באופן ניכר על זמן הריצה של האלגוריתם הממוקבל ביחס לאלגוריתם הסדרתי.</a:t>
+            </a:r>
+            <a:endParaRPr lang="en-US" sz="2400" dirty="0"/>
+          </a:p>
+          <a:p>
+            <a:pPr lvl="0" algn="r" rtl="1"/>
+            <a:endParaRPr lang="he-IL" sz="2400" dirty="0" smtClean="0"/>
+          </a:p>
+          <a:p>
+            <a:pPr lvl="0" algn="r" rtl="1"/>
+            <a:r>
+              <a:rPr lang="he-IL" sz="2400" dirty="0" smtClean="0"/>
+              <a:t>התוצאות </a:t>
+            </a:r>
+            <a:r>
+              <a:rPr lang="he-IL" sz="2400" dirty="0"/>
+              <a:t>הטובות ביותר מתקבלות ע"י מקבול התהליך, באופן שבו כל דגימת </a:t>
+            </a:r>
+            <a:r>
+              <a:rPr lang="en-US" sz="2400" dirty="0"/>
+              <a:t>DNA</a:t>
+            </a:r>
+            <a:r>
+              <a:rPr lang="he-IL" sz="2400" dirty="0"/>
+              <a:t> מקבלת תהליכון. </a:t>
+            </a:r>
+            <a:endParaRPr lang="he-IL" sz="2400" dirty="0" smtClean="0"/>
+          </a:p>
+          <a:p>
+            <a:pPr lvl="0" algn="r" rtl="1"/>
+            <a:r>
+              <a:rPr lang="he-IL" sz="2400" dirty="0"/>
+              <a:t> </a:t>
+            </a:r>
+            <a:endParaRPr lang="en-US" sz="2400" dirty="0"/>
+          </a:p>
+          <a:p>
+            <a:pPr algn="r" rtl="1"/>
+            <a:r>
+              <a:rPr lang="he-IL" sz="2400" dirty="0" smtClean="0"/>
+              <a:t>נראה </a:t>
+            </a:r>
+            <a:r>
+              <a:rPr lang="he-IL" sz="2400" dirty="0"/>
+              <a:t>שהאלגוריתם הממוקבל נשאר יציב, מבחינת סדרי הגודל של היעול, גם כאשר מעמיסים עליו </a:t>
+            </a:r>
+            <a:r>
+              <a:rPr lang="he-IL" sz="2400" dirty="0" smtClean="0"/>
+              <a:t>הרבה דגימות וללא תלות באורכן.</a:t>
+            </a:r>
+            <a:endParaRPr lang="en-US" sz="2400" dirty="0"/>
+          </a:p>
+          <a:p>
+            <a:pPr algn="r" rtl="1"/>
+            <a:endParaRPr lang="he-IL" sz="2400" dirty="0"/>
+          </a:p>
+        </p:txBody>
+      </p:sp>
+      <p:sp>
+        <p:nvSpPr>
+          <p:cNvPr id="4" name="Rectangle 3"/>
+          <p:cNvSpPr/>
+          <p:nvPr/>
+        </p:nvSpPr>
+        <p:spPr>
+          <a:xfrm>
+            <a:off x="6084168" y="280050"/>
+            <a:ext cx="2448272" cy="769441"/>
+          </a:xfrm>
+          <a:prstGeom prst="rect">
+            <a:avLst/>
+          </a:prstGeom>
+        </p:spPr>
+        <p:txBody>
+          <a:bodyPr wrap="square">
+            <a:spAutoFit/>
+          </a:bodyPr>
+          <a:lstStyle/>
+          <a:p>
+            <a:pPr algn="r" rtl="1"/>
+            <a:r>
+              <a:rPr lang="he-IL" sz="4400" b="1" dirty="0"/>
+              <a:t>מסקנות</a:t>
+            </a:r>
+            <a:endParaRPr lang="he-IL" sz="2400" dirty="0"/>
+          </a:p>
+        </p:txBody>
+      </p:sp>
+    </p:spTree>
+    <p:extLst>
+      <p:ext uri="{BB962C8B-B14F-4D97-AF65-F5344CB8AC3E}">
+        <p14:creationId xmlns:p14="http://schemas.microsoft.com/office/powerpoint/2010/main" val="2691324810"/>
+      </p:ext>
+    </p:extLst>
+  </p:cSld>
+  <p:clrMapOvr>
+    <a:masterClrMapping/>
+  </p:clrMapOvr>
+  <p:timing>
+    <p:tnLst>
+      <p:par>
+        <p:cTn id="1" dur="indefinite" restart="never" nodeType="tmRoot"/>
+      </p:par>
+    </p:tnLst>
+  </p:timing>
+</p:sld>
+</file>
+
+<file path=ppt/slides/slide23.xml><?xml version="1.0" encoding="utf-8"?>
+<p:sld xmlns:a="http://schemas.openxmlformats.org/drawingml/2006/main" xmlns:r="http://schemas.openxmlformats.org/officeDocument/2006/relationships" xmlns:p="http://schemas.openxmlformats.org/presentationml/2006/main">
+  <p:cSld>
+    <p:spTree>
+      <p:nvGrpSpPr>
+        <p:cNvPr id="1" name=""/>
+        <p:cNvGrpSpPr/>
+        <p:nvPr/>
+      </p:nvGrpSpPr>
+      <p:grpSpPr>
+        <a:xfrm>
+          <a:off x="0" y="0"/>
+          <a:ext cx="0" cy="0"/>
+          <a:chOff x="0" y="0"/>
+          <a:chExt cx="0" cy="0"/>
+        </a:xfrm>
+      </p:grpSpPr>
+      <p:sp>
+        <p:nvSpPr>
           <p:cNvPr id="5" name="Rectangle 2"/>
           <p:cNvSpPr txBox="1">
             <a:spLocks noChangeArrowheads="1"/>
@@ -32474,7 +33558,7 @@
     </p:spTree>
     <p:extLst>
       <p:ext uri="{BB962C8B-B14F-4D97-AF65-F5344CB8AC3E}">
-        <p14:creationId xmlns:p14="http://schemas.microsoft.com/office/powerpoint/2010/main" val="2691324810"/>
+        <p14:creationId xmlns:p14="http://schemas.microsoft.com/office/powerpoint/2010/main" val="428968207"/>
       </p:ext>
     </p:extLst>
   </p:cSld>

--- a/Documents/הגשת פרויקט/Final_exam_Presentation.pptx
+++ b/Documents/הגשת פרויקט/Final_exam_Presentation.pptx
@@ -6,7 +6,7 @@
     <p:sldMasterId id="2147483650" r:id="rId2"/>
   </p:sldMasterIdLst>
   <p:notesMasterIdLst>
-    <p:notesMasterId r:id="rId26"/>
+    <p:notesMasterId r:id="rId25"/>
   </p:notesMasterIdLst>
   <p:sldIdLst>
     <p:sldId id="256" r:id="rId3"/>
@@ -26,12 +26,11 @@
     <p:sldId id="285" r:id="rId17"/>
     <p:sldId id="284" r:id="rId18"/>
     <p:sldId id="283" r:id="rId19"/>
-    <p:sldId id="282" r:id="rId20"/>
-    <p:sldId id="274" r:id="rId21"/>
-    <p:sldId id="288" r:id="rId22"/>
-    <p:sldId id="289" r:id="rId23"/>
-    <p:sldId id="278" r:id="rId24"/>
-    <p:sldId id="290" r:id="rId25"/>
+    <p:sldId id="274" r:id="rId20"/>
+    <p:sldId id="288" r:id="rId21"/>
+    <p:sldId id="289" r:id="rId22"/>
+    <p:sldId id="278" r:id="rId23"/>
+    <p:sldId id="290" r:id="rId24"/>
   </p:sldIdLst>
   <p:sldSz cx="9144000" cy="6858000" type="screen4x3"/>
   <p:notesSz cx="6858000" cy="9144000"/>
@@ -202,7 +201,6 @@
             <p14:sldId id="285"/>
             <p14:sldId id="284"/>
             <p14:sldId id="283"/>
-            <p14:sldId id="282"/>
           </p14:sldIdLst>
         </p14:section>
         <p14:section name="Results" id="{DB5D7A3E-E192-4DB3-8C06-24C94D713D7B}">
@@ -846,19 +844,7 @@
             </a:r>
             <a:r>
               <a:rPr lang="he-IL" baseline="0" dirty="0" smtClean="0"/>
-              <a:t> </a:t>
-            </a:r>
-            <a:r>
-              <a:rPr lang="he-IL" baseline="0" dirty="0" smtClean="0"/>
-              <a:t>מילים חיפוש </a:t>
-            </a:r>
-            <a:r>
-              <a:rPr lang="he-IL" baseline="0" dirty="0" smtClean="0"/>
-              <a:t>מחרוזות במחרוזת ארוכה וידועה </a:t>
-            </a:r>
-            <a:r>
-              <a:rPr lang="he-IL" baseline="0" dirty="0" smtClean="0"/>
-              <a:t>מראש – בצורה יעילה.</a:t>
+              <a:t> מילים חיפוש מחרוזות במחרוזת ארוכה וידועה מראש – בצורה יעילה.</a:t>
             </a:r>
             <a:endParaRPr lang="he-IL" dirty="0"/>
           </a:p>
@@ -8503,16 +8489,7 @@
                 </a:solidFill>
                 <a:latin typeface="Arial" pitchFamily="34" charset="0"/>
               </a:rPr>
-              <a:t>מולקולת ענק </a:t>
-            </a:r>
-            <a:r>
-              <a:rPr lang="he-IL" sz="1200" kern="1200" dirty="0" smtClean="0">
-                <a:solidFill>
-                  <a:schemeClr val="tx1"/>
-                </a:solidFill>
-                <a:latin typeface="Arial" pitchFamily="34" charset="0"/>
-              </a:rPr>
-              <a:t>שמכילה</a:t>
+              <a:t>מולקולת ענק שמכילה</a:t>
             </a:r>
             <a:r>
               <a:rPr lang="he-IL" sz="1200" kern="1200" baseline="0" dirty="0" smtClean="0">
@@ -8530,16 +8507,7 @@
                 </a:solidFill>
                 <a:latin typeface="Arial" pitchFamily="34" charset="0"/>
               </a:rPr>
-              <a:t> </a:t>
-            </a:r>
-            <a:r>
-              <a:rPr lang="he-IL" sz="1200" kern="1200" dirty="0" smtClean="0">
-                <a:solidFill>
-                  <a:schemeClr val="tx1"/>
-                </a:solidFill>
-                <a:latin typeface="Arial" pitchFamily="34" charset="0"/>
-              </a:rPr>
-              <a:t>כל המידע התורשתי לבניית החלבונים בתא אצל כל האורגניזמים הידועים, מחיידקים ועד לבני אדם.</a:t>
+              <a:t> כל המידע התורשתי לבניית החלבונים בתא אצל כל האורגניזמים הידועים, מחיידקים ועד לבני אדם.</a:t>
             </a:r>
           </a:p>
           <a:p>
@@ -8784,27 +8752,8 @@
                 <a:ea typeface="+mn-ea"/>
                 <a:cs typeface="+mn-cs"/>
               </a:rPr>
-              <a:t> יכול לעבור מוטציה, </a:t>
+              <a:t> יכול לעבור מוטציה, שינוי – אנחנו מסתמכים על זה.</a:t>
             </a:r>
-            <a:r>
-              <a:rPr lang="he-IL" sz="1200" kern="1200" dirty="0" smtClean="0">
-                <a:solidFill>
-                  <a:schemeClr val="tx1"/>
-                </a:solidFill>
-                <a:latin typeface="Arial" pitchFamily="34" charset="0"/>
-                <a:ea typeface="+mn-ea"/>
-                <a:cs typeface="+mn-cs"/>
-              </a:rPr>
-              <a:t>שינוי – אנחנו מסתמכים על זה.</a:t>
-            </a:r>
-            <a:endParaRPr lang="he-IL" sz="1200" kern="1200" dirty="0" smtClean="0">
-              <a:solidFill>
-                <a:schemeClr val="tx1"/>
-              </a:solidFill>
-              <a:latin typeface="Arial" pitchFamily="34" charset="0"/>
-              <a:ea typeface="+mn-ea"/>
-              <a:cs typeface="+mn-cs"/>
-            </a:endParaRPr>
           </a:p>
           <a:p>
             <a:pPr algn="r" rtl="1"/>
@@ -10111,6 +10060,178 @@
               <a:bodyPr/>
               <a:lstStyle/>
               <a:p>
+                <a:pPr lvl="0" algn="r" rtl="1"/>
+                <a:r>
+                  <a:rPr lang="he-IL" dirty="0" smtClean="0"/>
+                  <a:t>מקבול כזה:</a:t>
+                </a:r>
+                <a:endParaRPr lang="en-US" dirty="0" smtClean="0"/>
+              </a:p>
+              <a:p>
+                <a:pPr lvl="1" algn="r" rtl="1"/>
+                <a:r>
+                  <a:rPr lang="he-IL" dirty="0" smtClean="0"/>
+                  <a:t>עדיף לתת לכל תהליכון מספיק עבודה כך שמערכת ההפעלה תשקיע את המשאבים בעבודה עצמה ולא בניהול תהליכונים.</a:t>
+                </a:r>
+                <a:endParaRPr lang="en-US" dirty="0" smtClean="0"/>
+              </a:p>
+              <a:p>
+                <a:pPr lvl="1" algn="r" rtl="1"/>
+                <a:r>
+                  <a:rPr lang="he-IL" dirty="0" smtClean="0"/>
+                  <a:t>מקבול שכזה מונע בעייתיות של תהליכונים שסיימו את עבודתם וממתינים לתהליכונים אחרים. במקבול התהליך – אין שום תלות בין התהליכונים.</a:t>
+                </a:r>
+                <a:endParaRPr lang="en-US" dirty="0" smtClean="0"/>
+              </a:p>
+              <a:p>
+                <a:pPr lvl="1" algn="r" rtl="1"/>
+                <a:r>
+                  <a:rPr lang="he-IL" dirty="0" smtClean="0"/>
+                  <a:t>הרצת כל קריאה על פני תהליכון יחיד עוזרת מבחינת העומס על הזכרון. סטטיסטית – ישנן פחות רקורסיות "עמוקות" באותו הזמן.</a:t>
+                </a:r>
+              </a:p>
+              <a:p>
+                <a:pPr lvl="1" algn="r" rtl="1"/>
+                <a:endParaRPr lang="he-IL" dirty="0" smtClean="0"/>
+              </a:p>
+              <a:p>
+                <a:pPr marL="457200" marR="0" lvl="1" indent="0" algn="r" defTabSz="914400" rtl="1" eaLnBrk="1" fontAlgn="base" latinLnBrk="0" hangingPunct="1">
+                  <a:lnSpc>
+                    <a:spcPct val="100000"/>
+                  </a:lnSpc>
+                  <a:spcBef>
+                    <a:spcPct val="30000"/>
+                  </a:spcBef>
+                  <a:spcAft>
+                    <a:spcPct val="0"/>
+                  </a:spcAft>
+                  <a:buClrTx/>
+                  <a:buSzTx/>
+                  <a:buFontTx/>
+                  <a:buNone/>
+                  <a:tabLst/>
+                  <a:defRPr/>
+                </a:pPr>
+                <a:r>
+                  <a:rPr lang="he-IL" dirty="0" smtClean="0"/>
+                  <a:t>מאידך, נראה שמיון הדגימות, לא עוזר לשפר את זמן הריצה באופן ניכר.</a:t>
+                </a:r>
+              </a:p>
+              <a:p>
+                <a:pPr marL="457200" marR="0" lvl="1" indent="0" algn="r" defTabSz="914400" rtl="1" eaLnBrk="1" fontAlgn="base" latinLnBrk="0" hangingPunct="1">
+                  <a:lnSpc>
+                    <a:spcPct val="100000"/>
+                  </a:lnSpc>
+                  <a:spcBef>
+                    <a:spcPct val="30000"/>
+                  </a:spcBef>
+                  <a:spcAft>
+                    <a:spcPct val="0"/>
+                  </a:spcAft>
+                  <a:buClrTx/>
+                  <a:buSzTx/>
+                  <a:buFontTx/>
+                  <a:buNone/>
+                  <a:tabLst/>
+                  <a:defRPr/>
+                </a:pPr>
+                <a:endParaRPr lang="he-IL" dirty="0" smtClean="0"/>
+              </a:p>
+              <a:p>
+                <a:pPr marL="457200" marR="0" lvl="1" indent="0" algn="r" defTabSz="914400" rtl="1" eaLnBrk="1" fontAlgn="base" latinLnBrk="0" hangingPunct="1">
+                  <a:lnSpc>
+                    <a:spcPct val="100000"/>
+                  </a:lnSpc>
+                  <a:spcBef>
+                    <a:spcPct val="30000"/>
+                  </a:spcBef>
+                  <a:spcAft>
+                    <a:spcPct val="0"/>
+                  </a:spcAft>
+                  <a:buClrTx/>
+                  <a:buSzTx/>
+                  <a:buFontTx/>
+                  <a:buNone/>
+                  <a:tabLst/>
+                  <a:defRPr/>
+                </a:pPr>
+                <a:r>
+                  <a:rPr lang="he-IL" dirty="0" smtClean="0"/>
+                  <a:t>להמשך:</a:t>
+                </a:r>
+              </a:p>
+              <a:p>
+                <a:pPr marL="457200" marR="0" lvl="1" indent="0" algn="r" defTabSz="914400" rtl="1" eaLnBrk="1" fontAlgn="base" latinLnBrk="0" hangingPunct="1">
+                  <a:lnSpc>
+                    <a:spcPct val="100000"/>
+                  </a:lnSpc>
+                  <a:spcBef>
+                    <a:spcPct val="30000"/>
+                  </a:spcBef>
+                  <a:spcAft>
+                    <a:spcPct val="0"/>
+                  </a:spcAft>
+                  <a:buClrTx/>
+                  <a:buSzTx/>
+                  <a:buFontTx/>
+                  <a:buNone/>
+                  <a:tabLst/>
+                  <a:defRPr/>
+                </a:pPr>
+                <a:r>
+                  <a:rPr lang="he-IL" dirty="0" smtClean="0"/>
+                  <a:t>כרטיס מסך</a:t>
+                </a:r>
+              </a:p>
+              <a:p>
+                <a:pPr marL="457200" marR="0" lvl="1" indent="0" algn="r" defTabSz="914400" rtl="1" eaLnBrk="1" fontAlgn="base" latinLnBrk="0" hangingPunct="1">
+                  <a:lnSpc>
+                    <a:spcPct val="100000"/>
+                  </a:lnSpc>
+                  <a:spcBef>
+                    <a:spcPct val="30000"/>
+                  </a:spcBef>
+                  <a:spcAft>
+                    <a:spcPct val="0"/>
+                  </a:spcAft>
+                  <a:buClrTx/>
+                  <a:buSzTx/>
+                  <a:buFontTx/>
+                  <a:buNone/>
+                  <a:tabLst/>
+                  <a:defRPr/>
+                </a:pPr>
+                <a:r>
+                  <a:rPr lang="he-IL" dirty="0" smtClean="0"/>
+                  <a:t>הרקורסיה של האלגוריתם מעמיסה על הזכרון ובעייתית בהעברת המימוש לכרטיס מסך.</a:t>
+                </a:r>
+                <a:endParaRPr lang="en-US" dirty="0" smtClean="0"/>
+              </a:p>
+              <a:p>
+                <a:pPr marL="457200" marR="0" lvl="1" indent="0" algn="r" defTabSz="914400" rtl="1" eaLnBrk="1" fontAlgn="base" latinLnBrk="0" hangingPunct="1">
+                  <a:lnSpc>
+                    <a:spcPct val="100000"/>
+                  </a:lnSpc>
+                  <a:spcBef>
+                    <a:spcPct val="30000"/>
+                  </a:spcBef>
+                  <a:spcAft>
+                    <a:spcPct val="0"/>
+                  </a:spcAft>
+                  <a:buClrTx/>
+                  <a:buSzTx/>
+                  <a:buFontTx/>
+                  <a:buNone/>
+                  <a:tabLst/>
+                  <a:defRPr/>
+                </a:pPr>
+                <a:endParaRPr lang="he-IL" dirty="0" smtClean="0"/>
+              </a:p>
+              <a:p>
+                <a:pPr lvl="1" algn="r" rtl="1"/>
+                <a:endParaRPr lang="en-US" dirty="0" smtClean="0"/>
+              </a:p>
+              <a:p>
                 <a:pPr algn="r"/>
                 <a:endParaRPr lang="he-IL" dirty="0"/>
               </a:p>
@@ -10847,178 +10968,6 @@
               <a:bodyPr/>
               <a:lstStyle/>
               <a:p>
-                <a:pPr lvl="0" algn="r" rtl="1"/>
-                <a:r>
-                  <a:rPr lang="he-IL" dirty="0" smtClean="0"/>
-                  <a:t>מקבול כזה:</a:t>
-                </a:r>
-                <a:endParaRPr lang="en-US" dirty="0" smtClean="0"/>
-              </a:p>
-              <a:p>
-                <a:pPr lvl="1" algn="r" rtl="1"/>
-                <a:r>
-                  <a:rPr lang="he-IL" dirty="0" smtClean="0"/>
-                  <a:t>עדיף לתת לכל תהליכון מספיק עבודה כך שמערכת ההפעלה תשקיע את המשאבים בעבודה עצמה ולא בניהול תהליכונים.</a:t>
-                </a:r>
-                <a:endParaRPr lang="en-US" dirty="0" smtClean="0"/>
-              </a:p>
-              <a:p>
-                <a:pPr lvl="1" algn="r" rtl="1"/>
-                <a:r>
-                  <a:rPr lang="he-IL" dirty="0" smtClean="0"/>
-                  <a:t>מקבול שכזה מונע בעייתיות של תהליכונים שסיימו את עבודתם וממתינים לתהליכונים אחרים. במקבול התהליך – אין שום תלות בין התהליכונים.</a:t>
-                </a:r>
-                <a:endParaRPr lang="en-US" dirty="0" smtClean="0"/>
-              </a:p>
-              <a:p>
-                <a:pPr lvl="1" algn="r" rtl="1"/>
-                <a:r>
-                  <a:rPr lang="he-IL" dirty="0" smtClean="0"/>
-                  <a:t>הרצת כל קריאה על פני תהליכון יחיד עוזרת מבחינת העומס על הזכרון. סטטיסטית – ישנן פחות רקורסיות "עמוקות" באותו הזמן.</a:t>
-                </a:r>
-              </a:p>
-              <a:p>
-                <a:pPr lvl="1" algn="r" rtl="1"/>
-                <a:endParaRPr lang="he-IL" dirty="0" smtClean="0"/>
-              </a:p>
-              <a:p>
-                <a:pPr marL="457200" marR="0" lvl="1" indent="0" algn="r" defTabSz="914400" rtl="1" eaLnBrk="1" fontAlgn="base" latinLnBrk="0" hangingPunct="1">
-                  <a:lnSpc>
-                    <a:spcPct val="100000"/>
-                  </a:lnSpc>
-                  <a:spcBef>
-                    <a:spcPct val="30000"/>
-                  </a:spcBef>
-                  <a:spcAft>
-                    <a:spcPct val="0"/>
-                  </a:spcAft>
-                  <a:buClrTx/>
-                  <a:buSzTx/>
-                  <a:buFontTx/>
-                  <a:buNone/>
-                  <a:tabLst/>
-                  <a:defRPr/>
-                </a:pPr>
-                <a:r>
-                  <a:rPr lang="he-IL" dirty="0" smtClean="0"/>
-                  <a:t>מאידך, נראה שמיון הדגימות, לא עוזר לשפר את זמן הריצה באופן ניכר.</a:t>
-                </a:r>
-              </a:p>
-              <a:p>
-                <a:pPr marL="457200" marR="0" lvl="1" indent="0" algn="r" defTabSz="914400" rtl="1" eaLnBrk="1" fontAlgn="base" latinLnBrk="0" hangingPunct="1">
-                  <a:lnSpc>
-                    <a:spcPct val="100000"/>
-                  </a:lnSpc>
-                  <a:spcBef>
-                    <a:spcPct val="30000"/>
-                  </a:spcBef>
-                  <a:spcAft>
-                    <a:spcPct val="0"/>
-                  </a:spcAft>
-                  <a:buClrTx/>
-                  <a:buSzTx/>
-                  <a:buFontTx/>
-                  <a:buNone/>
-                  <a:tabLst/>
-                  <a:defRPr/>
-                </a:pPr>
-                <a:endParaRPr lang="he-IL" dirty="0" smtClean="0"/>
-              </a:p>
-              <a:p>
-                <a:pPr marL="457200" marR="0" lvl="1" indent="0" algn="r" defTabSz="914400" rtl="1" eaLnBrk="1" fontAlgn="base" latinLnBrk="0" hangingPunct="1">
-                  <a:lnSpc>
-                    <a:spcPct val="100000"/>
-                  </a:lnSpc>
-                  <a:spcBef>
-                    <a:spcPct val="30000"/>
-                  </a:spcBef>
-                  <a:spcAft>
-                    <a:spcPct val="0"/>
-                  </a:spcAft>
-                  <a:buClrTx/>
-                  <a:buSzTx/>
-                  <a:buFontTx/>
-                  <a:buNone/>
-                  <a:tabLst/>
-                  <a:defRPr/>
-                </a:pPr>
-                <a:r>
-                  <a:rPr lang="he-IL" dirty="0" smtClean="0"/>
-                  <a:t>להמשך:</a:t>
-                </a:r>
-              </a:p>
-              <a:p>
-                <a:pPr marL="457200" marR="0" lvl="1" indent="0" algn="r" defTabSz="914400" rtl="1" eaLnBrk="1" fontAlgn="base" latinLnBrk="0" hangingPunct="1">
-                  <a:lnSpc>
-                    <a:spcPct val="100000"/>
-                  </a:lnSpc>
-                  <a:spcBef>
-                    <a:spcPct val="30000"/>
-                  </a:spcBef>
-                  <a:spcAft>
-                    <a:spcPct val="0"/>
-                  </a:spcAft>
-                  <a:buClrTx/>
-                  <a:buSzTx/>
-                  <a:buFontTx/>
-                  <a:buNone/>
-                  <a:tabLst/>
-                  <a:defRPr/>
-                </a:pPr>
-                <a:r>
-                  <a:rPr lang="he-IL" dirty="0" smtClean="0"/>
-                  <a:t>כרטיס מסך</a:t>
-                </a:r>
-              </a:p>
-              <a:p>
-                <a:pPr marL="457200" marR="0" lvl="1" indent="0" algn="r" defTabSz="914400" rtl="1" eaLnBrk="1" fontAlgn="base" latinLnBrk="0" hangingPunct="1">
-                  <a:lnSpc>
-                    <a:spcPct val="100000"/>
-                  </a:lnSpc>
-                  <a:spcBef>
-                    <a:spcPct val="30000"/>
-                  </a:spcBef>
-                  <a:spcAft>
-                    <a:spcPct val="0"/>
-                  </a:spcAft>
-                  <a:buClrTx/>
-                  <a:buSzTx/>
-                  <a:buFontTx/>
-                  <a:buNone/>
-                  <a:tabLst/>
-                  <a:defRPr/>
-                </a:pPr>
-                <a:r>
-                  <a:rPr lang="he-IL" dirty="0" smtClean="0"/>
-                  <a:t>הרקורסיה של האלגוריתם מעמיסה על הזכרון ובעייתית בהעברת המימוש לכרטיס מסך.</a:t>
-                </a:r>
-                <a:endParaRPr lang="en-US" dirty="0" smtClean="0"/>
-              </a:p>
-              <a:p>
-                <a:pPr marL="457200" marR="0" lvl="1" indent="0" algn="r" defTabSz="914400" rtl="1" eaLnBrk="1" fontAlgn="base" latinLnBrk="0" hangingPunct="1">
-                  <a:lnSpc>
-                    <a:spcPct val="100000"/>
-                  </a:lnSpc>
-                  <a:spcBef>
-                    <a:spcPct val="30000"/>
-                  </a:spcBef>
-                  <a:spcAft>
-                    <a:spcPct val="0"/>
-                  </a:spcAft>
-                  <a:buClrTx/>
-                  <a:buSzTx/>
-                  <a:buFontTx/>
-                  <a:buNone/>
-                  <a:tabLst/>
-                  <a:defRPr/>
-                </a:pPr>
-                <a:endParaRPr lang="he-IL" dirty="0" smtClean="0"/>
-              </a:p>
-              <a:p>
-                <a:pPr lvl="1" algn="r" rtl="1"/>
-                <a:endParaRPr lang="en-US" dirty="0" smtClean="0"/>
-              </a:p>
-              <a:p>
                 <a:pPr algn="r"/>
                 <a:endParaRPr lang="he-IL" dirty="0"/>
               </a:p>
@@ -11691,742 +11640,6 @@
               <a:rPr lang="en-US" altLang="he-IL" smtClean="0"/>
               <a:pPr/>
               <a:t>22</a:t>
-            </a:fld>
-            <a:endParaRPr lang="en-US" altLang="he-IL"/>
-          </a:p>
-        </p:txBody>
-      </p:sp>
-    </p:spTree>
-    <p:extLst>
-      <p:ext uri="{BB962C8B-B14F-4D97-AF65-F5344CB8AC3E}">
-        <p14:creationId xmlns:p14="http://schemas.microsoft.com/office/powerpoint/2010/main" val="1335780148"/>
-      </p:ext>
-    </p:extLst>
-  </p:cSld>
-  <p:clrMapOvr>
-    <a:masterClrMapping/>
-  </p:clrMapOvr>
-</p:notes>
-</file>
-
-<file path=ppt/notesSlides/notesSlide23.xml><?xml version="1.0" encoding="utf-8"?>
-<p:notes xmlns:a="http://schemas.openxmlformats.org/drawingml/2006/main" xmlns:r="http://schemas.openxmlformats.org/officeDocument/2006/relationships" xmlns:p="http://schemas.openxmlformats.org/presentationml/2006/main">
-  <p:cSld>
-    <p:spTree>
-      <p:nvGrpSpPr>
-        <p:cNvPr id="1" name=""/>
-        <p:cNvGrpSpPr/>
-        <p:nvPr/>
-      </p:nvGrpSpPr>
-      <p:grpSpPr>
-        <a:xfrm>
-          <a:off x="0" y="0"/>
-          <a:ext cx="0" cy="0"/>
-          <a:chOff x="0" y="0"/>
-          <a:chExt cx="0" cy="0"/>
-        </a:xfrm>
-      </p:grpSpPr>
-      <p:sp>
-        <p:nvSpPr>
-          <p:cNvPr id="2" name="Slide Image Placeholder 1"/>
-          <p:cNvSpPr>
-            <a:spLocks noGrp="1" noRot="1" noChangeAspect="1"/>
-          </p:cNvSpPr>
-          <p:nvPr>
-            <p:ph type="sldImg"/>
-          </p:nvPr>
-        </p:nvSpPr>
-        <p:spPr/>
-      </p:sp>
-      <mc:AlternateContent xmlns:mc="http://schemas.openxmlformats.org/markup-compatibility/2006" xmlns:a14="http://schemas.microsoft.com/office/drawing/2010/main">
-        <mc:Choice Requires="a14">
-          <p:sp>
-            <p:nvSpPr>
-              <p:cNvPr id="3" name="Notes Placeholder 2"/>
-              <p:cNvSpPr>
-                <a:spLocks noGrp="1"/>
-              </p:cNvSpPr>
-              <p:nvPr>
-                <p:ph type="body" idx="1"/>
-              </p:nvPr>
-            </p:nvSpPr>
-            <p:spPr/>
-            <p:txBody>
-              <a:bodyPr/>
-              <a:lstStyle/>
-              <a:p>
-                <a:pPr algn="r"/>
-                <a:endParaRPr lang="he-IL" dirty="0"/>
-              </a:p>
-            </p:txBody>
-          </p:sp>
-        </mc:Choice>
-        <mc:Fallback xmlns="">
-          <p:sp>
-            <p:nvSpPr>
-              <p:cNvPr id="3" name="Notes Placeholder 2"/>
-              <p:cNvSpPr>
-                <a:spLocks noGrp="1"/>
-              </p:cNvSpPr>
-              <p:nvPr>
-                <p:ph type="body" idx="1"/>
-              </p:nvPr>
-            </p:nvSpPr>
-            <p:spPr/>
-            <p:txBody>
-              <a:bodyPr/>
-              <a:lstStyle/>
-              <a:p>
-                <a:pPr algn="r" rtl="1"/>
-                <a:r>
-                  <a:rPr lang="he-IL" sz="1200" kern="1200" dirty="0" smtClean="0">
-                    <a:solidFill>
-                      <a:schemeClr val="tx1"/>
-                    </a:solidFill>
-                    <a:effectLst/>
-                    <a:latin typeface="Arial" pitchFamily="34" charset="0"/>
-                    <a:ea typeface="+mn-ea"/>
-                    <a:cs typeface="+mn-cs"/>
-                  </a:rPr>
-                  <a:t>אם כן, את המידע המגולם ב</a:t>
-                </a:r>
-                <a:r>
-                  <a:rPr lang="en-US" sz="1200" kern="1200" dirty="0">
-                    <a:solidFill>
-                      <a:schemeClr val="tx1"/>
-                    </a:solidFill>
-                    <a:effectLst/>
-                    <a:latin typeface="Arial" pitchFamily="34" charset="0"/>
-                    <a:ea typeface="+mn-ea"/>
-                    <a:cs typeface="+mn-cs"/>
-                  </a:rPr>
-                  <a:t>DNA</a:t>
-                </a:r>
-                <a:r>
-                  <a:rPr lang="he-IL" sz="1200" kern="1200" dirty="0">
-                    <a:solidFill>
-                      <a:schemeClr val="tx1"/>
-                    </a:solidFill>
-                    <a:effectLst/>
-                    <a:latin typeface="Arial" pitchFamily="34" charset="0"/>
-                    <a:ea typeface="+mn-ea"/>
-                    <a:cs typeface="+mn-cs"/>
-                  </a:rPr>
-                  <a:t> ניתן לייצג כמחרוזת של הבסיסים המרכיבים אותו, וכך נתייחס אליו בפרויקט זה (לדוג': </a:t>
-                </a:r>
-                <a:r>
-                  <a:rPr lang="en-US" sz="1200" kern="1200" dirty="0">
-                    <a:solidFill>
-                      <a:schemeClr val="tx1"/>
-                    </a:solidFill>
-                    <a:effectLst/>
-                    <a:latin typeface="Arial" pitchFamily="34" charset="0"/>
-                    <a:ea typeface="+mn-ea"/>
-                    <a:cs typeface="+mn-cs"/>
-                  </a:rPr>
-                  <a:t>TGACCGTCAG</a:t>
-                </a:r>
-                <a:r>
-                  <a:rPr lang="he-IL" sz="1200" kern="1200" dirty="0">
-                    <a:solidFill>
-                      <a:schemeClr val="tx1"/>
-                    </a:solidFill>
-                    <a:effectLst/>
-                    <a:latin typeface="Arial" pitchFamily="34" charset="0"/>
-                    <a:ea typeface="+mn-ea"/>
-                    <a:cs typeface="+mn-cs"/>
-                  </a:rPr>
-                  <a:t>....)</a:t>
-                </a:r>
-                <a:endParaRPr lang="en-US" sz="1200" kern="1200" dirty="0">
-                  <a:solidFill>
-                    <a:schemeClr val="tx1"/>
-                  </a:solidFill>
-                  <a:effectLst/>
-                  <a:latin typeface="Arial" pitchFamily="34" charset="0"/>
-                  <a:ea typeface="+mn-ea"/>
-                  <a:cs typeface="+mn-cs"/>
-                </a:endParaRPr>
-              </a:p>
-              <a:p>
-                <a:pPr algn="r" rtl="1"/>
-                <a:r>
-                  <a:rPr lang="he-IL" sz="1200" kern="1200" dirty="0">
-                    <a:solidFill>
-                      <a:schemeClr val="tx1"/>
-                    </a:solidFill>
-                    <a:effectLst/>
-                    <a:latin typeface="Arial" pitchFamily="34" charset="0"/>
-                    <a:ea typeface="+mn-ea"/>
-                    <a:cs typeface="+mn-cs"/>
-                  </a:rPr>
-                  <a:t> </a:t>
-                </a:r>
-                <a:endParaRPr lang="en-US" sz="1200" kern="1200" dirty="0">
-                  <a:solidFill>
-                    <a:schemeClr val="tx1"/>
-                  </a:solidFill>
-                  <a:effectLst/>
-                  <a:latin typeface="Arial" pitchFamily="34" charset="0"/>
-                  <a:ea typeface="+mn-ea"/>
-                  <a:cs typeface="+mn-cs"/>
-                </a:endParaRPr>
-              </a:p>
-              <a:p>
-                <a:pPr algn="r" rtl="1"/>
-                <a:r>
-                  <a:rPr lang="he-IL" sz="1200" kern="1200" dirty="0">
-                    <a:solidFill>
-                      <a:schemeClr val="tx1"/>
-                    </a:solidFill>
-                    <a:effectLst/>
-                    <a:latin typeface="Arial" pitchFamily="34" charset="0"/>
-                    <a:ea typeface="+mn-ea"/>
-                    <a:cs typeface="+mn-cs"/>
-                  </a:rPr>
-                  <a:t>ה</a:t>
-                </a:r>
-                <a:r>
-                  <a:rPr lang="en-US" sz="1200" kern="1200" dirty="0">
-                    <a:solidFill>
-                      <a:schemeClr val="tx1"/>
-                    </a:solidFill>
-                    <a:effectLst/>
-                    <a:latin typeface="Arial" pitchFamily="34" charset="0"/>
-                    <a:ea typeface="+mn-ea"/>
-                    <a:cs typeface="+mn-cs"/>
-                  </a:rPr>
-                  <a:t>DNA </a:t>
-                </a:r>
-                <a:r>
-                  <a:rPr lang="he-IL" sz="1200" kern="1200" dirty="0">
-                    <a:solidFill>
-                      <a:schemeClr val="tx1"/>
-                    </a:solidFill>
-                    <a:effectLst/>
-                    <a:latin typeface="Arial" pitchFamily="34" charset="0"/>
-                    <a:ea typeface="+mn-ea"/>
-                    <a:cs typeface="+mn-cs"/>
-                  </a:rPr>
-                  <a:t> מורכב מכ</a:t>
-                </a:r>
-                <a:r>
-                  <a:rPr lang="en-US" sz="1200" i="0" kern="1200">
-                    <a:solidFill>
-                      <a:schemeClr val="tx1"/>
-                    </a:solidFill>
-                    <a:effectLst/>
-                    <a:latin typeface="Cambria Math"/>
-                    <a:ea typeface="+mn-ea"/>
-                    <a:cs typeface="+mn-cs"/>
-                  </a:rPr>
-                  <a:t>〖6 𝑋10〗^9</a:t>
-                </a:r>
-                <a:r>
-                  <a:rPr lang="he-IL" sz="1200" kern="1200" dirty="0">
-                    <a:solidFill>
-                      <a:schemeClr val="tx1"/>
-                    </a:solidFill>
-                    <a:effectLst/>
-                    <a:latin typeface="Arial" pitchFamily="34" charset="0"/>
-                    <a:ea typeface="+mn-ea"/>
-                    <a:cs typeface="+mn-cs"/>
-                  </a:rPr>
-                  <a:t> שלבים. במונחים דיגיטלים, המידע הגלום ב</a:t>
-                </a:r>
-                <a:r>
-                  <a:rPr lang="en-US" sz="1200" kern="1200" dirty="0">
-                    <a:solidFill>
-                      <a:schemeClr val="tx1"/>
-                    </a:solidFill>
-                    <a:effectLst/>
-                    <a:latin typeface="Arial" pitchFamily="34" charset="0"/>
-                    <a:ea typeface="+mn-ea"/>
-                    <a:cs typeface="+mn-cs"/>
-                  </a:rPr>
-                  <a:t>DNA </a:t>
-                </a:r>
-                <a:r>
-                  <a:rPr lang="he-IL" sz="1200" kern="1200" dirty="0">
-                    <a:solidFill>
-                      <a:schemeClr val="tx1"/>
-                    </a:solidFill>
-                    <a:effectLst/>
-                    <a:latin typeface="Arial" pitchFamily="34" charset="0"/>
-                    <a:ea typeface="+mn-ea"/>
-                    <a:cs typeface="+mn-cs"/>
-                  </a:rPr>
-                  <a:t> שווה ערך למעט יותר מ</a:t>
-                </a:r>
-                <a:r>
-                  <a:rPr lang="en-US" sz="1200" kern="1200" dirty="0">
-                    <a:solidFill>
-                      <a:schemeClr val="tx1"/>
-                    </a:solidFill>
-                    <a:effectLst/>
-                    <a:latin typeface="Arial" pitchFamily="34" charset="0"/>
-                    <a:ea typeface="+mn-ea"/>
-                    <a:cs typeface="+mn-cs"/>
-                  </a:rPr>
-                  <a:t> 1.6 GB </a:t>
-                </a:r>
-                <a:r>
-                  <a:rPr lang="he-IL" sz="1200" kern="1200" dirty="0">
-                    <a:solidFill>
-                      <a:schemeClr val="tx1"/>
-                    </a:solidFill>
-                    <a:effectLst/>
-                    <a:latin typeface="Arial" pitchFamily="34" charset="0"/>
-                    <a:ea typeface="+mn-ea"/>
-                    <a:cs typeface="+mn-cs"/>
-                  </a:rPr>
-                  <a:t>(או כ2 דיסקים...)</a:t>
-                </a:r>
-                <a:endParaRPr lang="en-US" sz="1200" kern="1200" dirty="0">
-                  <a:solidFill>
-                    <a:schemeClr val="tx1"/>
-                  </a:solidFill>
-                  <a:effectLst/>
-                  <a:latin typeface="Arial" pitchFamily="34" charset="0"/>
-                  <a:ea typeface="+mn-ea"/>
-                  <a:cs typeface="+mn-cs"/>
-                </a:endParaRPr>
-              </a:p>
-              <a:p>
-                <a:pPr algn="r" rtl="1"/>
-                <a:r>
-                  <a:rPr lang="he-IL" sz="1200" kern="1200" dirty="0">
-                    <a:solidFill>
-                      <a:schemeClr val="tx1"/>
-                    </a:solidFill>
-                    <a:effectLst/>
-                    <a:latin typeface="Arial" pitchFamily="34" charset="0"/>
-                    <a:ea typeface="+mn-ea"/>
-                    <a:cs typeface="+mn-cs"/>
-                  </a:rPr>
-                  <a:t> </a:t>
-                </a:r>
-                <a:endParaRPr lang="en-US" sz="1200" kern="1200" dirty="0">
-                  <a:solidFill>
-                    <a:schemeClr val="tx1"/>
-                  </a:solidFill>
-                  <a:effectLst/>
-                  <a:latin typeface="Arial" pitchFamily="34" charset="0"/>
-                  <a:ea typeface="+mn-ea"/>
-                  <a:cs typeface="+mn-cs"/>
-                </a:endParaRPr>
-              </a:p>
-              <a:p>
-                <a:pPr algn="r" rtl="1"/>
-                <a:r>
-                  <a:rPr lang="he-IL" sz="1200" kern="1200" dirty="0">
-                    <a:solidFill>
-                      <a:schemeClr val="tx1"/>
-                    </a:solidFill>
-                    <a:effectLst/>
-                    <a:latin typeface="Arial" pitchFamily="34" charset="0"/>
-                    <a:ea typeface="+mn-ea"/>
-                    <a:cs typeface="+mn-cs"/>
-                  </a:rPr>
-                  <a:t>כמו כן, </a:t>
-                </a:r>
-                <a:r>
-                  <a:rPr lang="en-US" sz="1200" kern="1200" dirty="0">
-                    <a:solidFill>
-                      <a:schemeClr val="tx1"/>
-                    </a:solidFill>
-                    <a:effectLst/>
-                    <a:latin typeface="Arial" pitchFamily="34" charset="0"/>
-                    <a:ea typeface="+mn-ea"/>
-                    <a:cs typeface="+mn-cs"/>
-                  </a:rPr>
-                  <a:t>DNA</a:t>
-                </a:r>
-                <a:r>
-                  <a:rPr lang="he-IL" sz="1200" kern="1200" dirty="0">
-                    <a:solidFill>
-                      <a:schemeClr val="tx1"/>
-                    </a:solidFill>
-                    <a:effectLst/>
-                    <a:latin typeface="Arial" pitchFamily="34" charset="0"/>
-                    <a:ea typeface="+mn-ea"/>
-                    <a:cs typeface="+mn-cs"/>
-                  </a:rPr>
-                  <a:t> יכול לעבור מוטציה, שינוי. רוב המוטציות אינן מזיקות אך אם הן מופיעות במקומות מסוימים על גבי רצף ה</a:t>
-                </a:r>
-                <a:r>
-                  <a:rPr lang="en-US" sz="1200" kern="1200" dirty="0">
-                    <a:solidFill>
-                      <a:schemeClr val="tx1"/>
-                    </a:solidFill>
-                    <a:effectLst/>
-                    <a:latin typeface="Arial" pitchFamily="34" charset="0"/>
-                    <a:ea typeface="+mn-ea"/>
-                    <a:cs typeface="+mn-cs"/>
-                  </a:rPr>
-                  <a:t>DNA</a:t>
-                </a:r>
-                <a:r>
-                  <a:rPr lang="he-IL" sz="1200" kern="1200" dirty="0">
-                    <a:solidFill>
-                      <a:schemeClr val="tx1"/>
-                    </a:solidFill>
-                    <a:effectLst/>
-                    <a:latin typeface="Arial" pitchFamily="34" charset="0"/>
-                    <a:ea typeface="+mn-ea"/>
-                    <a:cs typeface="+mn-cs"/>
-                  </a:rPr>
-                  <a:t> הן יכולות לגרום לבעיות גנטיות וביניהן  לנטיה למחלות גנטיות ובפרט לסרטן. </a:t>
-                </a:r>
-                <a:endParaRPr lang="en-US" sz="1200" kern="1200" dirty="0">
-                  <a:solidFill>
-                    <a:schemeClr val="tx1"/>
-                  </a:solidFill>
-                  <a:effectLst/>
-                  <a:latin typeface="Arial" pitchFamily="34" charset="0"/>
-                  <a:ea typeface="+mn-ea"/>
-                  <a:cs typeface="+mn-cs"/>
-                </a:endParaRPr>
-              </a:p>
-              <a:p>
-                <a:pPr algn="r" rtl="1"/>
-                <a:r>
-                  <a:rPr lang="he-IL" sz="1200" kern="1200" dirty="0">
-                    <a:solidFill>
-                      <a:schemeClr val="tx1"/>
-                    </a:solidFill>
-                    <a:effectLst/>
-                    <a:latin typeface="Arial" pitchFamily="34" charset="0"/>
-                    <a:ea typeface="+mn-ea"/>
-                    <a:cs typeface="+mn-cs"/>
-                  </a:rPr>
-                  <a:t> </a:t>
-                </a:r>
-                <a:endParaRPr lang="en-US" sz="1200" kern="1200" dirty="0">
-                  <a:solidFill>
-                    <a:schemeClr val="tx1"/>
-                  </a:solidFill>
-                  <a:effectLst/>
-                  <a:latin typeface="Arial" pitchFamily="34" charset="0"/>
-                  <a:ea typeface="+mn-ea"/>
-                  <a:cs typeface="+mn-cs"/>
-                </a:endParaRPr>
-              </a:p>
-              <a:p>
-                <a:pPr algn="r" rtl="1"/>
-                <a:r>
-                  <a:rPr lang="he-IL" sz="1200" kern="1200" dirty="0">
-                    <a:solidFill>
-                      <a:schemeClr val="tx1"/>
-                    </a:solidFill>
-                    <a:effectLst/>
-                    <a:latin typeface="Arial" pitchFamily="34" charset="0"/>
-                    <a:ea typeface="+mn-ea"/>
-                    <a:cs typeface="+mn-cs"/>
-                  </a:rPr>
-                  <a:t>כיום כאשר חולה מגיע לאבחון לראות האם הוא חולה בסרטן, תהליך הבדיקה הוא ארוך ומסורבל:</a:t>
-                </a:r>
-                <a:endParaRPr lang="en-US" sz="1200" kern="1200" dirty="0">
-                  <a:solidFill>
-                    <a:schemeClr val="tx1"/>
-                  </a:solidFill>
-                  <a:effectLst/>
-                  <a:latin typeface="Arial" pitchFamily="34" charset="0"/>
-                  <a:ea typeface="+mn-ea"/>
-                  <a:cs typeface="+mn-cs"/>
-                </a:endParaRPr>
-              </a:p>
-              <a:p>
-                <a:pPr lvl="0" algn="r" rtl="1"/>
-                <a:r>
-                  <a:rPr lang="he-IL" sz="1200" kern="1200" dirty="0">
-                    <a:solidFill>
-                      <a:schemeClr val="tx1"/>
-                    </a:solidFill>
-                    <a:effectLst/>
-                    <a:latin typeface="Arial" pitchFamily="34" charset="0"/>
-                    <a:ea typeface="+mn-ea"/>
-                    <a:cs typeface="+mn-cs"/>
-                  </a:rPr>
-                  <a:t>לקיחת דגימת </a:t>
-                </a:r>
-                <a:r>
-                  <a:rPr lang="en-US" sz="1200" kern="1200" dirty="0">
-                    <a:solidFill>
-                      <a:schemeClr val="tx1"/>
-                    </a:solidFill>
-                    <a:effectLst/>
-                    <a:latin typeface="Arial" pitchFamily="34" charset="0"/>
-                    <a:ea typeface="+mn-ea"/>
-                    <a:cs typeface="+mn-cs"/>
-                  </a:rPr>
-                  <a:t>DNA</a:t>
-                </a:r>
-                <a:r>
-                  <a:rPr lang="he-IL" sz="1200" kern="1200" dirty="0">
-                    <a:solidFill>
-                      <a:schemeClr val="tx1"/>
-                    </a:solidFill>
-                    <a:effectLst/>
-                    <a:latin typeface="Arial" pitchFamily="34" charset="0"/>
-                    <a:ea typeface="+mn-ea"/>
-                    <a:cs typeface="+mn-cs"/>
-                  </a:rPr>
-                  <a:t>.</a:t>
-                </a:r>
-                <a:endParaRPr lang="en-US" sz="1200" kern="1200" dirty="0">
-                  <a:solidFill>
-                    <a:schemeClr val="tx1"/>
-                  </a:solidFill>
-                  <a:effectLst/>
-                  <a:latin typeface="Arial" pitchFamily="34" charset="0"/>
-                  <a:ea typeface="+mn-ea"/>
-                  <a:cs typeface="+mn-cs"/>
-                </a:endParaRPr>
-              </a:p>
-              <a:p>
-                <a:pPr lvl="0" algn="r" rtl="1"/>
-                <a:r>
-                  <a:rPr lang="he-IL" sz="1200" kern="1200" dirty="0">
-                    <a:solidFill>
-                      <a:schemeClr val="tx1"/>
-                    </a:solidFill>
-                    <a:effectLst/>
-                    <a:latin typeface="Arial" pitchFamily="34" charset="0"/>
-                    <a:ea typeface="+mn-ea"/>
-                    <a:cs typeface="+mn-cs"/>
-                  </a:rPr>
-                  <a:t>השוואת ה</a:t>
-                </a:r>
-                <a:r>
-                  <a:rPr lang="en-US" sz="1200" kern="1200" dirty="0">
-                    <a:solidFill>
-                      <a:schemeClr val="tx1"/>
-                    </a:solidFill>
-                    <a:effectLst/>
-                    <a:latin typeface="Arial" pitchFamily="34" charset="0"/>
-                    <a:ea typeface="+mn-ea"/>
-                    <a:cs typeface="+mn-cs"/>
-                  </a:rPr>
-                  <a:t>DNA</a:t>
-                </a:r>
-                <a:r>
-                  <a:rPr lang="he-IL" sz="1200" kern="1200" dirty="0">
-                    <a:solidFill>
-                      <a:schemeClr val="tx1"/>
-                    </a:solidFill>
-                    <a:effectLst/>
-                    <a:latin typeface="Arial" pitchFamily="34" charset="0"/>
-                    <a:ea typeface="+mn-ea"/>
-                    <a:cs typeface="+mn-cs"/>
-                  </a:rPr>
-                  <a:t> ל</a:t>
-                </a:r>
-                <a:r>
-                  <a:rPr lang="en-US" sz="1200" kern="1200" dirty="0">
-                    <a:solidFill>
-                      <a:schemeClr val="tx1"/>
-                    </a:solidFill>
-                    <a:effectLst/>
-                    <a:latin typeface="Arial" pitchFamily="34" charset="0"/>
-                    <a:ea typeface="+mn-ea"/>
-                    <a:cs typeface="+mn-cs"/>
-                  </a:rPr>
-                  <a:t>DNA</a:t>
-                </a:r>
-                <a:r>
-                  <a:rPr lang="he-IL" sz="1200" kern="1200" dirty="0">
-                    <a:solidFill>
-                      <a:schemeClr val="tx1"/>
-                    </a:solidFill>
-                    <a:effectLst/>
-                    <a:latin typeface="Arial" pitchFamily="34" charset="0"/>
-                    <a:ea typeface="+mn-ea"/>
-                    <a:cs typeface="+mn-cs"/>
-                  </a:rPr>
-                  <a:t> של אדם בריא.</a:t>
-                </a:r>
-                <a:endParaRPr lang="en-US" sz="1200" kern="1200" dirty="0">
-                  <a:solidFill>
-                    <a:schemeClr val="tx1"/>
-                  </a:solidFill>
-                  <a:effectLst/>
-                  <a:latin typeface="Arial" pitchFamily="34" charset="0"/>
-                  <a:ea typeface="+mn-ea"/>
-                  <a:cs typeface="+mn-cs"/>
-                </a:endParaRPr>
-              </a:p>
-              <a:p>
-                <a:pPr lvl="0" algn="r" rtl="1"/>
-                <a:r>
-                  <a:rPr lang="he-IL" sz="1200" kern="1200" dirty="0">
-                    <a:solidFill>
-                      <a:schemeClr val="tx1"/>
-                    </a:solidFill>
-                    <a:effectLst/>
-                    <a:latin typeface="Arial" pitchFamily="34" charset="0"/>
-                    <a:ea typeface="+mn-ea"/>
-                    <a:cs typeface="+mn-cs"/>
-                  </a:rPr>
-                  <a:t>איתור מוטציות ב</a:t>
-                </a:r>
-                <a:r>
-                  <a:rPr lang="en-US" sz="1200" kern="1200" dirty="0">
-                    <a:solidFill>
-                      <a:schemeClr val="tx1"/>
-                    </a:solidFill>
-                    <a:effectLst/>
-                    <a:latin typeface="Arial" pitchFamily="34" charset="0"/>
-                    <a:ea typeface="+mn-ea"/>
-                    <a:cs typeface="+mn-cs"/>
-                  </a:rPr>
-                  <a:t>DNA</a:t>
-                </a:r>
-                <a:r>
-                  <a:rPr lang="he-IL" sz="1200" kern="1200" dirty="0">
-                    <a:solidFill>
-                      <a:schemeClr val="tx1"/>
-                    </a:solidFill>
-                    <a:effectLst/>
-                    <a:latin typeface="Arial" pitchFamily="34" charset="0"/>
-                    <a:ea typeface="+mn-ea"/>
-                    <a:cs typeface="+mn-cs"/>
-                  </a:rPr>
-                  <a:t>.</a:t>
-                </a:r>
-                <a:endParaRPr lang="en-US" sz="1200" kern="1200" dirty="0">
-                  <a:solidFill>
-                    <a:schemeClr val="tx1"/>
-                  </a:solidFill>
-                  <a:effectLst/>
-                  <a:latin typeface="Arial" pitchFamily="34" charset="0"/>
-                  <a:ea typeface="+mn-ea"/>
-                  <a:cs typeface="+mn-cs"/>
-                </a:endParaRPr>
-              </a:p>
-              <a:p>
-                <a:pPr lvl="0" algn="r" rtl="1"/>
-                <a:r>
-                  <a:rPr lang="he-IL" sz="1200" kern="1200" dirty="0">
-                    <a:solidFill>
-                      <a:schemeClr val="tx1"/>
-                    </a:solidFill>
-                    <a:effectLst/>
-                    <a:latin typeface="Arial" pitchFamily="34" charset="0"/>
-                    <a:ea typeface="+mn-ea"/>
-                    <a:cs typeface="+mn-cs"/>
-                  </a:rPr>
-                  <a:t>חיפוש ידני במאגרי מידע האם המוטציות הן במקום שידוע כגורם לסרטן.</a:t>
-                </a:r>
-                <a:endParaRPr lang="en-US" sz="1200" kern="1200" dirty="0">
-                  <a:solidFill>
-                    <a:schemeClr val="tx1"/>
-                  </a:solidFill>
-                  <a:effectLst/>
-                  <a:latin typeface="Arial" pitchFamily="34" charset="0"/>
-                  <a:ea typeface="+mn-ea"/>
-                  <a:cs typeface="+mn-cs"/>
-                </a:endParaRPr>
-              </a:p>
-              <a:p>
-                <a:pPr lvl="0" algn="r" rtl="1"/>
-                <a:r>
-                  <a:rPr lang="he-IL" sz="1200" kern="1200" dirty="0">
-                    <a:solidFill>
-                      <a:schemeClr val="tx1"/>
-                    </a:solidFill>
-                    <a:effectLst/>
-                    <a:latin typeface="Arial" pitchFamily="34" charset="0"/>
-                    <a:ea typeface="+mn-ea"/>
-                    <a:cs typeface="+mn-cs"/>
-                  </a:rPr>
-                  <a:t>חיפוש ידני האם קיימת תרופה שעוזרת לסוג המסוים של הסרטן הנ"ל.</a:t>
-                </a:r>
-                <a:endParaRPr lang="en-US" sz="1200" kern="1200" dirty="0">
-                  <a:solidFill>
-                    <a:schemeClr val="tx1"/>
-                  </a:solidFill>
-                  <a:effectLst/>
-                  <a:latin typeface="Arial" pitchFamily="34" charset="0"/>
-                  <a:ea typeface="+mn-ea"/>
-                  <a:cs typeface="+mn-cs"/>
-                </a:endParaRPr>
-              </a:p>
-              <a:p>
-                <a:pPr algn="r" rtl="1"/>
-                <a:r>
-                  <a:rPr lang="he-IL" sz="1200" kern="1200" dirty="0">
-                    <a:solidFill>
-                      <a:schemeClr val="tx1"/>
-                    </a:solidFill>
-                    <a:effectLst/>
-                    <a:latin typeface="Arial" pitchFamily="34" charset="0"/>
-                    <a:ea typeface="+mn-ea"/>
-                    <a:cs typeface="+mn-cs"/>
-                  </a:rPr>
-                  <a:t>בין הבעיות בתהליך זה ניתן לציין את תהליך ההשוואה (2) שלוקח זמן ארוך במיוחד. כיום, בתי החולים שוכרים חוות שרתים ע"מ ליעל את החישוב הארוך של השוואה.</a:t>
-                </a:r>
-                <a:endParaRPr lang="en-US" sz="1200" kern="1200" dirty="0">
-                  <a:solidFill>
-                    <a:schemeClr val="tx1"/>
-                  </a:solidFill>
-                  <a:effectLst/>
-                  <a:latin typeface="Arial" pitchFamily="34" charset="0"/>
-                  <a:ea typeface="+mn-ea"/>
-                  <a:cs typeface="+mn-cs"/>
-                </a:endParaRPr>
-              </a:p>
-              <a:p>
-                <a:pPr algn="r" rtl="1"/>
-                <a:r>
-                  <a:rPr lang="he-IL" sz="1200" kern="1200" dirty="0">
-                    <a:solidFill>
-                      <a:schemeClr val="tx1"/>
-                    </a:solidFill>
-                    <a:effectLst/>
-                    <a:latin typeface="Arial" pitchFamily="34" charset="0"/>
-                    <a:ea typeface="+mn-ea"/>
-                    <a:cs typeface="+mn-cs"/>
-                  </a:rPr>
-                  <a:t>עם זאת, גם כיום שלב זה לוקח כיום שלם – פרויקט זה יתמקד בייעול שלב זה.</a:t>
-                </a:r>
-                <a:endParaRPr lang="en-US" sz="1200" kern="1200" dirty="0">
-                  <a:solidFill>
-                    <a:schemeClr val="tx1"/>
-                  </a:solidFill>
-                  <a:effectLst/>
-                  <a:latin typeface="Arial" pitchFamily="34" charset="0"/>
-                  <a:ea typeface="+mn-ea"/>
-                  <a:cs typeface="+mn-cs"/>
-                </a:endParaRPr>
-              </a:p>
-              <a:p>
-                <a:pPr algn="r"/>
-                <a:endParaRPr lang="he-IL" dirty="0"/>
-              </a:p>
-            </p:txBody>
-          </p:sp>
-        </mc:Fallback>
-      </mc:AlternateContent>
-      <p:sp>
-        <p:nvSpPr>
-          <p:cNvPr id="4" name="Slide Number Placeholder 3"/>
-          <p:cNvSpPr>
-            <a:spLocks noGrp="1"/>
-          </p:cNvSpPr>
-          <p:nvPr>
-            <p:ph type="sldNum" sz="quarter" idx="10"/>
-          </p:nvPr>
-        </p:nvSpPr>
-        <p:spPr/>
-        <p:txBody>
-          <a:bodyPr/>
-          <a:lstStyle/>
-          <a:p>
-            <a:fld id="{BB3C0BDA-275C-4F72-B40D-28BA313A146B}" type="slidenum">
-              <a:rPr lang="en-US" altLang="he-IL" smtClean="0"/>
-              <a:pPr/>
-              <a:t>23</a:t>
             </a:fld>
             <a:endParaRPr lang="en-US" altLang="he-IL"/>
           </a:p>
@@ -12494,41 +11707,32 @@
                 <a:pPr algn="r"/>
                 <a:r>
                   <a:rPr lang="he-IL" dirty="0" smtClean="0"/>
-                  <a:t>בסופו של דבר – המערכת מחפשת מחרוזות</a:t>
-                </a:r>
-                <a:r>
-                  <a:rPr lang="he-IL" baseline="0" dirty="0" smtClean="0"/>
-                  <a:t> קצרות על פני הגנום האנושי.</a:t>
+                  <a:t>לעבור על הנקודות</a:t>
                 </a:r>
               </a:p>
               <a:p>
                 <a:pPr algn="r"/>
-                <a:r>
-                  <a:rPr lang="he-IL" baseline="0" dirty="0" smtClean="0"/>
-                  <a:t>תהליך:</a:t>
-                </a:r>
+                <a:endParaRPr lang="he-IL" dirty="0" smtClean="0"/>
               </a:p>
               <a:p>
                 <a:pPr algn="r"/>
                 <a:r>
+                  <a:rPr lang="he-IL" dirty="0" smtClean="0"/>
+                  <a:t>בסופו </a:t>
+                </a:r>
+                <a:r>
+                  <a:rPr lang="he-IL" dirty="0" smtClean="0"/>
+                  <a:t>של דבר – המערכת מחפשת מחרוזות</a:t>
+                </a:r>
+                <a:r>
                   <a:rPr lang="he-IL" baseline="0" dirty="0" smtClean="0"/>
-                  <a:t>דגימה מחולה באורך 35-200 שמיוצגות כמחרוזת</a:t>
-                </a:r>
-              </a:p>
-              <a:p>
-                <a:pPr algn="r"/>
+                  <a:t> קצרות על פני הגנום האנושי</a:t>
+                </a:r>
                 <a:r>
                   <a:rPr lang="he-IL" baseline="0" dirty="0" smtClean="0"/>
-                  <a:t>כ 6,000,000,000 דגימות כדי לקבל כיסוי פי 30</a:t>
-                </a:r>
-                <a:endParaRPr lang="en-US" baseline="0" dirty="0" smtClean="0"/>
-              </a:p>
-              <a:p>
-                <a:pPr algn="r"/>
-                <a:r>
-                  <a:rPr lang="he-IL" baseline="0" dirty="0" smtClean="0"/>
-                  <a:t>אוסף הדגימות הוא קלט המערכת</a:t>
-                </a:r>
+                  <a:t>.</a:t>
+                </a:r>
+                <a:endParaRPr lang="he-IL" baseline="0" dirty="0" smtClean="0"/>
               </a:p>
             </p:txBody>
           </p:sp>
@@ -18290,19 +17494,7 @@
                 <a:ea typeface="+mn-ea"/>
                 <a:cs typeface="+mn-cs"/>
               </a:rPr>
-              <a:t> (חסכון </a:t>
-            </a:r>
-            <a:r>
-              <a:rPr lang="he-IL" sz="1200" kern="1200" dirty="0" smtClean="0">
-                <a:solidFill>
-                  <a:schemeClr val="tx1"/>
-                </a:solidFill>
-                <a:effectLst/>
-                <a:latin typeface="Arial" pitchFamily="34" charset="0"/>
-                <a:ea typeface="+mn-ea"/>
-                <a:cs typeface="+mn-cs"/>
-              </a:rPr>
-              <a:t>אדיר</a:t>
+              <a:t> (חסכון אדיר</a:t>
             </a:r>
             <a:r>
               <a:rPr lang="he-IL" sz="1200" kern="1200" baseline="0" dirty="0" smtClean="0">
@@ -18326,19 +17518,7 @@
                 <a:ea typeface="+mn-ea"/>
                 <a:cs typeface="+mn-cs"/>
               </a:rPr>
-              <a:t>בזמן </a:t>
-            </a:r>
-            <a:r>
-              <a:rPr lang="he-IL" sz="1200" kern="1200" dirty="0" smtClean="0">
-                <a:solidFill>
-                  <a:schemeClr val="tx1"/>
-                </a:solidFill>
-                <a:effectLst/>
-                <a:latin typeface="Arial" pitchFamily="34" charset="0"/>
-                <a:ea typeface="+mn-ea"/>
-                <a:cs typeface="+mn-cs"/>
-              </a:rPr>
-              <a:t>ריצה).</a:t>
+              <a:t>בזמן ריצה).</a:t>
             </a:r>
             <a:endParaRPr lang="en-US" sz="1200" kern="1200" dirty="0" smtClean="0">
               <a:solidFill>
@@ -25483,8 +24663,8 @@
           <a:chExt cx="0" cy="0"/>
         </a:xfrm>
       </p:grpSpPr>
-      <mc:AlternateContent xmlns:mc="http://schemas.openxmlformats.org/markup-compatibility/2006">
-        <mc:Choice xmlns:a14="http://schemas.microsoft.com/office/drawing/2010/main" Requires="a14">
+      <mc:AlternateContent xmlns:mc="http://schemas.openxmlformats.org/markup-compatibility/2006" xmlns:a14="http://schemas.microsoft.com/office/drawing/2010/main">
+        <mc:Choice Requires="a14">
           <p:sp>
             <p:nvSpPr>
               <p:cNvPr id="54275" name="Rectangle 3"/>
@@ -25678,11 +24858,7 @@
                 </a:pPr>
                 <a:r>
                   <a:rPr lang="he-IL" sz="2000" dirty="0" smtClean="0"/>
-                  <a:t>בפועל</a:t>
-                </a:r>
-                <a:r>
-                  <a:rPr lang="he-IL" sz="2000" dirty="0" smtClean="0"/>
-                  <a:t>, כיום, זמן הריצה של אלגוריתם זה הוא בין שעות לימים.</a:t>
+                  <a:t>בפועל, כיום, זמן הריצה של אלגוריתם זה הוא בין שעות לימים.</a:t>
                 </a:r>
                 <a:endParaRPr lang="en-US" sz="2000" dirty="0">
                   <a:solidFill>
@@ -25715,7 +24891,7 @@
             </p:txBody>
           </p:sp>
         </mc:Choice>
-        <mc:Fallback>
+        <mc:Fallback xmlns="">
           <p:sp>
             <p:nvSpPr>
               <p:cNvPr id="54275" name="Rectangle 3"/>
@@ -26319,8 +25495,8 @@
           <a:chExt cx="0" cy="0"/>
         </a:xfrm>
       </p:grpSpPr>
-      <mc:AlternateContent xmlns:mc="http://schemas.openxmlformats.org/markup-compatibility/2006">
-        <mc:Choice xmlns:a14="http://schemas.microsoft.com/office/drawing/2010/main" Requires="a14">
+      <mc:AlternateContent xmlns:mc="http://schemas.openxmlformats.org/markup-compatibility/2006" xmlns:a14="http://schemas.microsoft.com/office/drawing/2010/main">
+        <mc:Choice Requires="a14">
           <p:sp>
             <p:nvSpPr>
               <p:cNvPr id="54275" name="Rectangle 3"/>
@@ -26448,11 +25624,15 @@
                 <a14:m>
                   <m:oMath xmlns:m="http://schemas.openxmlformats.org/officeDocument/2006/math">
                     <m:r>
-                      <a:rPr lang="he-IL" sz="2000" i="1"/>
+                      <a:rPr lang="he-IL" sz="2000" i="1">
+                        <a:latin typeface="Cambria Math"/>
+                      </a:rPr>
                       <m:t> </m:t>
                     </m:r>
                     <m:r>
-                      <a:rPr lang="en-US" sz="2000" i="1"/>
+                      <a:rPr lang="en-US" sz="2000" i="1">
+                        <a:latin typeface="Cambria Math"/>
+                      </a:rPr>
                       <m:t>𝑚</m:t>
                     </m:r>
                   </m:oMath>
@@ -26476,11 +25656,15 @@
                 <a14:m>
                   <m:oMath xmlns:m="http://schemas.openxmlformats.org/officeDocument/2006/math">
                     <m:r>
-                      <a:rPr lang="he-IL" sz="2000" i="1"/>
+                      <a:rPr lang="he-IL" sz="2000" i="1">
+                        <a:latin typeface="Cambria Math"/>
+                      </a:rPr>
                       <m:t>𝜃</m:t>
                     </m:r>
                     <m:r>
-                      <a:rPr lang="en-US" sz="2000" i="1"/>
+                      <a:rPr lang="en-US" sz="2000" i="1">
+                        <a:latin typeface="Cambria Math"/>
+                      </a:rPr>
                       <m:t>(</m:t>
                     </m:r>
                     <m:d>
@@ -26488,18 +25672,24 @@
                         <m:begChr m:val="|"/>
                         <m:endChr m:val="|"/>
                         <m:ctrlPr>
-                          <a:rPr lang="en-US" sz="2000" i="1"/>
+                          <a:rPr lang="en-US" sz="2000" i="1">
+                            <a:latin typeface="Cambria Math"/>
+                          </a:rPr>
                         </m:ctrlPr>
                       </m:dPr>
                       <m:e>
                         <m:r>
-                          <a:rPr lang="en-US" sz="2000" i="1"/>
+                          <a:rPr lang="en-US" sz="2000" i="1">
+                            <a:latin typeface="Cambria Math"/>
+                          </a:rPr>
                           <m:t>𝑤</m:t>
                         </m:r>
                       </m:e>
                     </m:d>
                     <m:r>
-                      <a:rPr lang="en-US" sz="2000" i="1"/>
+                      <a:rPr lang="en-US" sz="2000" i="1">
+                        <a:latin typeface="Cambria Math"/>
+                      </a:rPr>
                       <m:t>)</m:t>
                     </m:r>
                   </m:oMath>
@@ -26513,7 +25703,7 @@
             </p:txBody>
           </p:sp>
         </mc:Choice>
-        <mc:Fallback>
+        <mc:Fallback xmlns="">
           <p:sp>
             <p:nvSpPr>
               <p:cNvPr id="54275" name="Rectangle 3"/>
@@ -27828,7 +27018,15 @@
             </a:pPr>
             <a:r>
               <a:rPr lang="he-IL" dirty="0"/>
-              <a:t>השוואת זמני ריצה בין האלגוריתם ההמוקבל והסדרתי</a:t>
+              <a:t>השוואת זמני ריצה בין האלגוריתם </a:t>
+            </a:r>
+            <a:r>
+              <a:rPr lang="he-IL" dirty="0" smtClean="0"/>
+              <a:t>הממוקבל </a:t>
+            </a:r>
+            <a:r>
+              <a:rPr lang="he-IL" dirty="0"/>
+              <a:t>והסדרתי</a:t>
             </a:r>
             <a:r>
               <a:rPr lang="he-IL" dirty="0" smtClean="0"/>
@@ -30150,580 +29348,6 @@
           <a:chExt cx="0" cy="0"/>
         </a:xfrm>
       </p:grpSpPr>
-      <p:pic>
-        <p:nvPicPr>
-          <p:cNvPr id="3077" name="Picture 5" descr="C:\Users\Avi\Documents\GitHub\BWA-Final_Project\Documents\הגשת פרויקט\Images\GUI.png"/>
-          <p:cNvPicPr>
-            <a:picLocks noChangeAspect="1" noChangeArrowheads="1"/>
-          </p:cNvPicPr>
-          <p:nvPr/>
-        </p:nvPicPr>
-        <p:blipFill>
-          <a:blip r:embed="rId3">
-            <a:extLst>
-              <a:ext uri="{28A0092B-C50C-407E-A947-70E740481C1C}">
-                <a14:useLocalDpi xmlns:a14="http://schemas.microsoft.com/office/drawing/2010/main" val="0"/>
-              </a:ext>
-            </a:extLst>
-          </a:blip>
-          <a:srcRect/>
-          <a:stretch>
-            <a:fillRect/>
-          </a:stretch>
-        </p:blipFill>
-        <p:spPr bwMode="auto">
-          <a:xfrm>
-            <a:off x="1691679" y="4221088"/>
-            <a:ext cx="6036409" cy="1968748"/>
-          </a:xfrm>
-          <a:prstGeom prst="rect">
-            <a:avLst/>
-          </a:prstGeom>
-          <a:noFill/>
-          <a:extLst>
-            <a:ext uri="{909E8E84-426E-40DD-AFC4-6F175D3DCCD1}">
-              <a14:hiddenFill xmlns:a14="http://schemas.microsoft.com/office/drawing/2010/main">
-                <a:solidFill>
-                  <a:srgbClr val="FFFFFF"/>
-                </a:solidFill>
-              </a14:hiddenFill>
-            </a:ext>
-          </a:extLst>
-        </p:spPr>
-      </p:pic>
-      <p:sp>
-        <p:nvSpPr>
-          <p:cNvPr id="5" name="Rectangle 2"/>
-          <p:cNvSpPr txBox="1">
-            <a:spLocks noChangeArrowheads="1"/>
-          </p:cNvSpPr>
-          <p:nvPr/>
-        </p:nvSpPr>
-        <p:spPr bwMode="auto">
-          <a:xfrm>
-            <a:off x="2627784" y="192390"/>
-            <a:ext cx="6316662" cy="428298"/>
-          </a:xfrm>
-          <a:prstGeom prst="rect">
-            <a:avLst/>
-          </a:prstGeom>
-          <a:noFill/>
-          <a:ln>
-            <a:noFill/>
-          </a:ln>
-          <a:effectLst/>
-          <a:extLst>
-            <a:ext uri="{909E8E84-426E-40DD-AFC4-6F175D3DCCD1}">
-              <a14:hiddenFill xmlns:a14="http://schemas.microsoft.com/office/drawing/2010/main">
-                <a:solidFill>
-                  <a:srgbClr val="7AA1FF"/>
-                </a:solidFill>
-              </a14:hiddenFill>
-            </a:ext>
-            <a:ext uri="{91240B29-F687-4F45-9708-019B960494DF}">
-              <a14:hiddenLine xmlns:a14="http://schemas.microsoft.com/office/drawing/2010/main" w="9525">
-                <a:solidFill>
-                  <a:srgbClr val="000000"/>
-                </a:solidFill>
-                <a:miter lim="800000"/>
-                <a:headEnd/>
-                <a:tailEnd/>
-              </a14:hiddenLine>
-            </a:ext>
-            <a:ext uri="{AF507438-7753-43E0-B8FC-AC1667EBCBE1}">
-              <a14:hiddenEffects xmlns:a14="http://schemas.microsoft.com/office/drawing/2010/main">
-                <a:effectLst>
-                  <a:outerShdw dist="35921" dir="2700000" algn="ctr" rotWithShape="0">
-                    <a:schemeClr val="bg2"/>
-                  </a:outerShdw>
-                </a:effectLst>
-              </a14:hiddenEffects>
-            </a:ext>
-          </a:extLst>
-        </p:spPr>
-        <p:txBody>
-          <a:bodyPr vert="horz" wrap="square" lIns="91440" tIns="45720" rIns="91440" bIns="45720" numCol="1" anchor="b" anchorCtr="0" compatLnSpc="1">
-            <a:prstTxWarp prst="textNoShape">
-              <a:avLst/>
-            </a:prstTxWarp>
-          </a:bodyPr>
-          <a:lstStyle>
-            <a:lvl1pPr algn="l" rtl="1" eaLnBrk="1" fontAlgn="base" hangingPunct="1">
-              <a:spcBef>
-                <a:spcPct val="0"/>
-              </a:spcBef>
-              <a:spcAft>
-                <a:spcPct val="0"/>
-              </a:spcAft>
-              <a:buClr>
-                <a:schemeClr val="tx1"/>
-              </a:buClr>
-              <a:defRPr sz="3200">
-                <a:solidFill>
-                  <a:schemeClr val="tx1"/>
-                </a:solidFill>
-                <a:latin typeface="+mj-lt"/>
-                <a:ea typeface="+mj-ea"/>
-                <a:cs typeface="+mj-cs"/>
-              </a:defRPr>
-            </a:lvl1pPr>
-            <a:lvl2pPr algn="l" rtl="1" eaLnBrk="1" fontAlgn="base" hangingPunct="1">
-              <a:spcBef>
-                <a:spcPct val="0"/>
-              </a:spcBef>
-              <a:spcAft>
-                <a:spcPct val="0"/>
-              </a:spcAft>
-              <a:buClr>
-                <a:schemeClr val="tx1"/>
-              </a:buClr>
-              <a:defRPr sz="3200">
-                <a:solidFill>
-                  <a:schemeClr val="tx1"/>
-                </a:solidFill>
-                <a:latin typeface="Arial" pitchFamily="34" charset="0"/>
-              </a:defRPr>
-            </a:lvl2pPr>
-            <a:lvl3pPr algn="l" rtl="1" eaLnBrk="1" fontAlgn="base" hangingPunct="1">
-              <a:spcBef>
-                <a:spcPct val="0"/>
-              </a:spcBef>
-              <a:spcAft>
-                <a:spcPct val="0"/>
-              </a:spcAft>
-              <a:buClr>
-                <a:schemeClr val="tx1"/>
-              </a:buClr>
-              <a:defRPr sz="3200">
-                <a:solidFill>
-                  <a:schemeClr val="tx1"/>
-                </a:solidFill>
-                <a:latin typeface="Arial" pitchFamily="34" charset="0"/>
-              </a:defRPr>
-            </a:lvl3pPr>
-            <a:lvl4pPr algn="l" rtl="1" eaLnBrk="1" fontAlgn="base" hangingPunct="1">
-              <a:spcBef>
-                <a:spcPct val="0"/>
-              </a:spcBef>
-              <a:spcAft>
-                <a:spcPct val="0"/>
-              </a:spcAft>
-              <a:buClr>
-                <a:schemeClr val="tx1"/>
-              </a:buClr>
-              <a:defRPr sz="3200">
-                <a:solidFill>
-                  <a:schemeClr val="tx1"/>
-                </a:solidFill>
-                <a:latin typeface="Arial" pitchFamily="34" charset="0"/>
-              </a:defRPr>
-            </a:lvl4pPr>
-            <a:lvl5pPr algn="l" rtl="1" eaLnBrk="1" fontAlgn="base" hangingPunct="1">
-              <a:spcBef>
-                <a:spcPct val="0"/>
-              </a:spcBef>
-              <a:spcAft>
-                <a:spcPct val="0"/>
-              </a:spcAft>
-              <a:buClr>
-                <a:schemeClr val="tx1"/>
-              </a:buClr>
-              <a:defRPr sz="3200">
-                <a:solidFill>
-                  <a:schemeClr val="tx1"/>
-                </a:solidFill>
-                <a:latin typeface="Arial" pitchFamily="34" charset="0"/>
-              </a:defRPr>
-            </a:lvl5pPr>
-            <a:lvl6pPr marL="457200" algn="l" rtl="1" eaLnBrk="1" fontAlgn="base" hangingPunct="1">
-              <a:spcBef>
-                <a:spcPct val="0"/>
-              </a:spcBef>
-              <a:spcAft>
-                <a:spcPct val="0"/>
-              </a:spcAft>
-              <a:buClr>
-                <a:schemeClr val="tx1"/>
-              </a:buClr>
-              <a:defRPr sz="3200">
-                <a:solidFill>
-                  <a:schemeClr val="tx1"/>
-                </a:solidFill>
-                <a:latin typeface="Arial" pitchFamily="34" charset="0"/>
-              </a:defRPr>
-            </a:lvl6pPr>
-            <a:lvl7pPr marL="914400" algn="l" rtl="1" eaLnBrk="1" fontAlgn="base" hangingPunct="1">
-              <a:spcBef>
-                <a:spcPct val="0"/>
-              </a:spcBef>
-              <a:spcAft>
-                <a:spcPct val="0"/>
-              </a:spcAft>
-              <a:buClr>
-                <a:schemeClr val="tx1"/>
-              </a:buClr>
-              <a:defRPr sz="3200">
-                <a:solidFill>
-                  <a:schemeClr val="tx1"/>
-                </a:solidFill>
-                <a:latin typeface="Arial" pitchFamily="34" charset="0"/>
-              </a:defRPr>
-            </a:lvl7pPr>
-            <a:lvl8pPr marL="1371600" algn="l" rtl="1" eaLnBrk="1" fontAlgn="base" hangingPunct="1">
-              <a:spcBef>
-                <a:spcPct val="0"/>
-              </a:spcBef>
-              <a:spcAft>
-                <a:spcPct val="0"/>
-              </a:spcAft>
-              <a:buClr>
-                <a:schemeClr val="tx1"/>
-              </a:buClr>
-              <a:defRPr sz="3200">
-                <a:solidFill>
-                  <a:schemeClr val="tx1"/>
-                </a:solidFill>
-                <a:latin typeface="Arial" pitchFamily="34" charset="0"/>
-              </a:defRPr>
-            </a:lvl8pPr>
-            <a:lvl9pPr marL="1828800" algn="l" rtl="1" eaLnBrk="1" fontAlgn="base" hangingPunct="1">
-              <a:spcBef>
-                <a:spcPct val="0"/>
-              </a:spcBef>
-              <a:spcAft>
-                <a:spcPct val="0"/>
-              </a:spcAft>
-              <a:buClr>
-                <a:schemeClr val="tx1"/>
-              </a:buClr>
-              <a:defRPr sz="3200">
-                <a:solidFill>
-                  <a:schemeClr val="tx1"/>
-                </a:solidFill>
-                <a:latin typeface="Arial" pitchFamily="34" charset="0"/>
-              </a:defRPr>
-            </a:lvl9pPr>
-          </a:lstStyle>
-          <a:p>
-            <a:pPr algn="r"/>
-            <a:r>
-              <a:rPr lang="he-IL" b="1" kern="0" dirty="0" smtClean="0"/>
-              <a:t>המערכת - רכיבים</a:t>
-            </a:r>
-            <a:endParaRPr lang="he-IL" altLang="he-IL" kern="0" dirty="0"/>
-          </a:p>
-        </p:txBody>
-      </p:sp>
-      <p:sp>
-        <p:nvSpPr>
-          <p:cNvPr id="9" name="Rectangle 3"/>
-          <p:cNvSpPr txBox="1">
-            <a:spLocks noChangeArrowheads="1"/>
-          </p:cNvSpPr>
-          <p:nvPr/>
-        </p:nvSpPr>
-        <p:spPr bwMode="auto">
-          <a:xfrm>
-            <a:off x="899592" y="1340768"/>
-            <a:ext cx="8044853" cy="2592288"/>
-          </a:xfrm>
-          <a:prstGeom prst="rect">
-            <a:avLst/>
-          </a:prstGeom>
-          <a:noFill/>
-          <a:ln>
-            <a:noFill/>
-          </a:ln>
-          <a:effectLst/>
-          <a:extLst>
-            <a:ext uri="{909E8E84-426E-40DD-AFC4-6F175D3DCCD1}">
-              <a14:hiddenFill xmlns:a14="http://schemas.microsoft.com/office/drawing/2010/main">
-                <a:solidFill>
-                  <a:srgbClr val="7AA1FF"/>
-                </a:solidFill>
-              </a14:hiddenFill>
-            </a:ext>
-            <a:ext uri="{91240B29-F687-4F45-9708-019B960494DF}">
-              <a14:hiddenLine xmlns:a14="http://schemas.microsoft.com/office/drawing/2010/main" w="9525">
-                <a:solidFill>
-                  <a:srgbClr val="000000"/>
-                </a:solidFill>
-                <a:miter lim="800000"/>
-                <a:headEnd/>
-                <a:tailEnd/>
-              </a14:hiddenLine>
-            </a:ext>
-            <a:ext uri="{AF507438-7753-43E0-B8FC-AC1667EBCBE1}">
-              <a14:hiddenEffects xmlns:a14="http://schemas.microsoft.com/office/drawing/2010/main">
-                <a:effectLst>
-                  <a:outerShdw dist="35921" dir="2700000" algn="ctr" rotWithShape="0">
-                    <a:schemeClr val="bg2"/>
-                  </a:outerShdw>
-                </a:effectLst>
-              </a14:hiddenEffects>
-            </a:ext>
-          </a:extLst>
-        </p:spPr>
-        <p:txBody>
-          <a:bodyPr vert="horz" wrap="square" lIns="91440" tIns="45720" rIns="91440" bIns="45720" numCol="1" anchor="t" anchorCtr="0" compatLnSpc="1">
-            <a:prstTxWarp prst="textNoShape">
-              <a:avLst/>
-            </a:prstTxWarp>
-          </a:bodyPr>
-          <a:lstStyle>
-            <a:lvl1pPr marL="342900" indent="-342900" algn="r" rtl="1" eaLnBrk="1" fontAlgn="base" hangingPunct="1">
-              <a:spcBef>
-                <a:spcPct val="20000"/>
-              </a:spcBef>
-              <a:spcAft>
-                <a:spcPct val="0"/>
-              </a:spcAft>
-              <a:buClr>
-                <a:schemeClr val="tx1"/>
-              </a:buClr>
-              <a:buChar char="•"/>
-              <a:defRPr sz="2400">
-                <a:solidFill>
-                  <a:schemeClr val="tx1"/>
-                </a:solidFill>
-                <a:latin typeface="+mn-lt"/>
-                <a:ea typeface="+mn-ea"/>
-                <a:cs typeface="+mn-cs"/>
-              </a:defRPr>
-            </a:lvl1pPr>
-            <a:lvl2pPr marL="742950" indent="-285750" algn="r" rtl="1" eaLnBrk="1" fontAlgn="base" hangingPunct="1">
-              <a:spcBef>
-                <a:spcPct val="20000"/>
-              </a:spcBef>
-              <a:spcAft>
-                <a:spcPct val="0"/>
-              </a:spcAft>
-              <a:buClr>
-                <a:schemeClr val="tx1"/>
-              </a:buClr>
-              <a:buChar char="•"/>
-              <a:defRPr sz="2400">
-                <a:solidFill>
-                  <a:schemeClr val="tx1"/>
-                </a:solidFill>
-                <a:latin typeface="+mn-lt"/>
-              </a:defRPr>
-            </a:lvl2pPr>
-            <a:lvl3pPr marL="1143000" indent="-228600" algn="r" rtl="1" eaLnBrk="1" fontAlgn="base" hangingPunct="1">
-              <a:spcBef>
-                <a:spcPct val="20000"/>
-              </a:spcBef>
-              <a:spcAft>
-                <a:spcPct val="0"/>
-              </a:spcAft>
-              <a:buClr>
-                <a:schemeClr val="tx1"/>
-              </a:buClr>
-              <a:buChar char="•"/>
-              <a:defRPr sz="2400">
-                <a:solidFill>
-                  <a:schemeClr val="tx1"/>
-                </a:solidFill>
-                <a:latin typeface="+mn-lt"/>
-              </a:defRPr>
-            </a:lvl3pPr>
-            <a:lvl4pPr marL="1600200" indent="-228600" algn="r" rtl="1" eaLnBrk="1" fontAlgn="base" hangingPunct="1">
-              <a:spcBef>
-                <a:spcPct val="20000"/>
-              </a:spcBef>
-              <a:spcAft>
-                <a:spcPct val="0"/>
-              </a:spcAft>
-              <a:buClr>
-                <a:schemeClr val="tx1"/>
-              </a:buClr>
-              <a:buChar char="•"/>
-              <a:defRPr sz="2400">
-                <a:solidFill>
-                  <a:schemeClr val="tx1"/>
-                </a:solidFill>
-                <a:latin typeface="+mn-lt"/>
-              </a:defRPr>
-            </a:lvl4pPr>
-            <a:lvl5pPr marL="2057400" indent="-228600" algn="r" rtl="1" eaLnBrk="1" fontAlgn="base" hangingPunct="1">
-              <a:spcBef>
-                <a:spcPct val="20000"/>
-              </a:spcBef>
-              <a:spcAft>
-                <a:spcPct val="0"/>
-              </a:spcAft>
-              <a:buClr>
-                <a:schemeClr val="tx1"/>
-              </a:buClr>
-              <a:buChar char="•"/>
-              <a:defRPr sz="2400">
-                <a:solidFill>
-                  <a:schemeClr val="tx1"/>
-                </a:solidFill>
-                <a:latin typeface="+mn-lt"/>
-              </a:defRPr>
-            </a:lvl5pPr>
-            <a:lvl6pPr marL="2514600" indent="-228600" algn="r" rtl="1" eaLnBrk="1" fontAlgn="base" hangingPunct="1">
-              <a:spcBef>
-                <a:spcPct val="20000"/>
-              </a:spcBef>
-              <a:spcAft>
-                <a:spcPct val="0"/>
-              </a:spcAft>
-              <a:buClr>
-                <a:schemeClr val="tx1"/>
-              </a:buClr>
-              <a:buChar char="•"/>
-              <a:defRPr sz="2400">
-                <a:solidFill>
-                  <a:schemeClr val="tx1"/>
-                </a:solidFill>
-                <a:latin typeface="+mn-lt"/>
-              </a:defRPr>
-            </a:lvl6pPr>
-            <a:lvl7pPr marL="2971800" indent="-228600" algn="r" rtl="1" eaLnBrk="1" fontAlgn="base" hangingPunct="1">
-              <a:spcBef>
-                <a:spcPct val="20000"/>
-              </a:spcBef>
-              <a:spcAft>
-                <a:spcPct val="0"/>
-              </a:spcAft>
-              <a:buClr>
-                <a:schemeClr val="tx1"/>
-              </a:buClr>
-              <a:buChar char="•"/>
-              <a:defRPr sz="2400">
-                <a:solidFill>
-                  <a:schemeClr val="tx1"/>
-                </a:solidFill>
-                <a:latin typeface="+mn-lt"/>
-              </a:defRPr>
-            </a:lvl7pPr>
-            <a:lvl8pPr marL="3429000" indent="-228600" algn="r" rtl="1" eaLnBrk="1" fontAlgn="base" hangingPunct="1">
-              <a:spcBef>
-                <a:spcPct val="20000"/>
-              </a:spcBef>
-              <a:spcAft>
-                <a:spcPct val="0"/>
-              </a:spcAft>
-              <a:buClr>
-                <a:schemeClr val="tx1"/>
-              </a:buClr>
-              <a:buChar char="•"/>
-              <a:defRPr sz="2400">
-                <a:solidFill>
-                  <a:schemeClr val="tx1"/>
-                </a:solidFill>
-                <a:latin typeface="+mn-lt"/>
-              </a:defRPr>
-            </a:lvl8pPr>
-            <a:lvl9pPr marL="3886200" indent="-228600" algn="r" rtl="1" eaLnBrk="1" fontAlgn="base" hangingPunct="1">
-              <a:spcBef>
-                <a:spcPct val="20000"/>
-              </a:spcBef>
-              <a:spcAft>
-                <a:spcPct val="0"/>
-              </a:spcAft>
-              <a:buClr>
-                <a:schemeClr val="tx1"/>
-              </a:buClr>
-              <a:buChar char="•"/>
-              <a:defRPr sz="2400">
-                <a:solidFill>
-                  <a:schemeClr val="tx1"/>
-                </a:solidFill>
-                <a:latin typeface="+mn-lt"/>
-              </a:defRPr>
-            </a:lvl9pPr>
-          </a:lstStyle>
-          <a:p>
-            <a:pPr lvl="0"/>
-            <a:r>
-              <a:rPr lang="he-IL" dirty="0"/>
-              <a:t>ממשק משתמש:</a:t>
-            </a:r>
-          </a:p>
-          <a:p>
-            <a:pPr lvl="1"/>
-            <a:r>
-              <a:rPr lang="he-IL" sz="2000" dirty="0" smtClean="0"/>
-              <a:t>הזנת פרמטרים מהמשתמש לכלל המודולים.</a:t>
-            </a:r>
-          </a:p>
-          <a:p>
-            <a:pPr lvl="1"/>
-            <a:r>
-              <a:rPr lang="he-IL" sz="2000" kern="0" dirty="0"/>
-              <a:t> קבלת פרמטרים מהמשתמש לכלל המודולים</a:t>
-            </a:r>
-            <a:r>
-              <a:rPr lang="he-IL" sz="2000" kern="0" dirty="0" smtClean="0"/>
-              <a:t>.</a:t>
-            </a:r>
-            <a:r>
-              <a:rPr lang="he-IL" sz="2000" dirty="0" smtClean="0"/>
-              <a:t> </a:t>
-            </a:r>
-          </a:p>
-          <a:p>
-            <a:pPr lvl="1"/>
-            <a:r>
-              <a:rPr lang="he-IL" sz="2000" dirty="0" smtClean="0"/>
-              <a:t>הצגת </a:t>
-            </a:r>
-            <a:r>
-              <a:rPr lang="he-IL" sz="2000" dirty="0"/>
-              <a:t>השוואת זמני ריצה ופלט טקסטואלי של השוואות </a:t>
-            </a:r>
-            <a:r>
-              <a:rPr lang="en-US" sz="2000" dirty="0"/>
-              <a:t>BWA</a:t>
-            </a:r>
-            <a:r>
-              <a:rPr lang="he-IL" sz="2000" dirty="0" smtClean="0"/>
-              <a:t>.</a:t>
-            </a:r>
-            <a:endParaRPr lang="en-US" sz="2000" dirty="0"/>
-          </a:p>
-        </p:txBody>
-      </p:sp>
-    </p:spTree>
-    <p:extLst>
-      <p:ext uri="{BB962C8B-B14F-4D97-AF65-F5344CB8AC3E}">
-        <p14:creationId xmlns:p14="http://schemas.microsoft.com/office/powerpoint/2010/main" val="3590798865"/>
-      </p:ext>
-    </p:extLst>
-  </p:cSld>
-  <p:clrMapOvr>
-    <a:masterClrMapping/>
-  </p:clrMapOvr>
-  <p:timing>
-    <p:tnLst>
-      <p:par>
-        <p:cTn id="1" dur="indefinite" restart="never" nodeType="tmRoot"/>
-      </p:par>
-    </p:tnLst>
-  </p:timing>
-</p:sld>
-</file>
-
-<file path=ppt/slides/slide19.xml><?xml version="1.0" encoding="utf-8"?>
-<p:sld xmlns:a="http://schemas.openxmlformats.org/drawingml/2006/main" xmlns:r="http://schemas.openxmlformats.org/officeDocument/2006/relationships" xmlns:p="http://schemas.openxmlformats.org/presentationml/2006/main">
-  <p:cSld>
-    <p:spTree>
-      <p:nvGrpSpPr>
-        <p:cNvPr id="1" name=""/>
-        <p:cNvGrpSpPr/>
-        <p:nvPr/>
-      </p:nvGrpSpPr>
-      <p:grpSpPr>
-        <a:xfrm>
-          <a:off x="0" y="0"/>
-          <a:ext cx="0" cy="0"/>
-          <a:chOff x="0" y="0"/>
-          <a:chExt cx="0" cy="0"/>
-        </a:xfrm>
-      </p:grpSpPr>
       <p:sp>
         <p:nvSpPr>
           <p:cNvPr id="6" name="Rectangle 2"/>
@@ -31172,6 +29796,461 @@
     <p:extLst>
       <p:ext uri="{BB962C8B-B14F-4D97-AF65-F5344CB8AC3E}">
         <p14:creationId xmlns:p14="http://schemas.microsoft.com/office/powerpoint/2010/main" val="45558645"/>
+      </p:ext>
+    </p:extLst>
+  </p:cSld>
+  <p:clrMapOvr>
+    <a:masterClrMapping/>
+  </p:clrMapOvr>
+  <p:timing>
+    <p:tnLst>
+      <p:par>
+        <p:cTn id="1" dur="indefinite" restart="never" nodeType="tmRoot"/>
+      </p:par>
+    </p:tnLst>
+  </p:timing>
+</p:sld>
+</file>
+
+<file path=ppt/slides/slide19.xml><?xml version="1.0" encoding="utf-8"?>
+<p:sld xmlns:a="http://schemas.openxmlformats.org/drawingml/2006/main" xmlns:r="http://schemas.openxmlformats.org/officeDocument/2006/relationships" xmlns:p="http://schemas.openxmlformats.org/presentationml/2006/main">
+  <p:cSld>
+    <p:spTree>
+      <p:nvGrpSpPr>
+        <p:cNvPr id="1" name=""/>
+        <p:cNvGrpSpPr/>
+        <p:nvPr/>
+      </p:nvGrpSpPr>
+      <p:grpSpPr>
+        <a:xfrm>
+          <a:off x="0" y="0"/>
+          <a:ext cx="0" cy="0"/>
+          <a:chOff x="0" y="0"/>
+          <a:chExt cx="0" cy="0"/>
+        </a:xfrm>
+      </p:grpSpPr>
+      <p:sp>
+        <p:nvSpPr>
+          <p:cNvPr id="6" name="Rectangle 2"/>
+          <p:cNvSpPr txBox="1">
+            <a:spLocks noChangeArrowheads="1"/>
+          </p:cNvSpPr>
+          <p:nvPr/>
+        </p:nvSpPr>
+        <p:spPr bwMode="auto">
+          <a:xfrm>
+            <a:off x="2701404" y="338281"/>
+            <a:ext cx="6316662" cy="428298"/>
+          </a:xfrm>
+          <a:prstGeom prst="rect">
+            <a:avLst/>
+          </a:prstGeom>
+          <a:noFill/>
+          <a:ln>
+            <a:noFill/>
+          </a:ln>
+          <a:effectLst/>
+          <a:extLst>
+            <a:ext uri="{909E8E84-426E-40DD-AFC4-6F175D3DCCD1}">
+              <a14:hiddenFill xmlns:a14="http://schemas.microsoft.com/office/drawing/2010/main">
+                <a:solidFill>
+                  <a:srgbClr val="7AA1FF"/>
+                </a:solidFill>
+              </a14:hiddenFill>
+            </a:ext>
+            <a:ext uri="{91240B29-F687-4F45-9708-019B960494DF}">
+              <a14:hiddenLine xmlns:a14="http://schemas.microsoft.com/office/drawing/2010/main" w="9525">
+                <a:solidFill>
+                  <a:srgbClr val="000000"/>
+                </a:solidFill>
+                <a:miter lim="800000"/>
+                <a:headEnd/>
+                <a:tailEnd/>
+              </a14:hiddenLine>
+            </a:ext>
+            <a:ext uri="{AF507438-7753-43E0-B8FC-AC1667EBCBE1}">
+              <a14:hiddenEffects xmlns:a14="http://schemas.microsoft.com/office/drawing/2010/main">
+                <a:effectLst>
+                  <a:outerShdw dist="35921" dir="2700000" algn="ctr" rotWithShape="0">
+                    <a:schemeClr val="bg2"/>
+                  </a:outerShdw>
+                </a:effectLst>
+              </a14:hiddenEffects>
+            </a:ext>
+          </a:extLst>
+        </p:spPr>
+        <p:txBody>
+          <a:bodyPr vert="horz" wrap="square" lIns="91440" tIns="45720" rIns="91440" bIns="45720" numCol="1" anchor="b" anchorCtr="0" compatLnSpc="1">
+            <a:prstTxWarp prst="textNoShape">
+              <a:avLst/>
+            </a:prstTxWarp>
+          </a:bodyPr>
+          <a:lstStyle>
+            <a:lvl1pPr algn="l" rtl="1" eaLnBrk="1" fontAlgn="base" hangingPunct="1">
+              <a:spcBef>
+                <a:spcPct val="0"/>
+              </a:spcBef>
+              <a:spcAft>
+                <a:spcPct val="0"/>
+              </a:spcAft>
+              <a:buClr>
+                <a:schemeClr val="tx1"/>
+              </a:buClr>
+              <a:defRPr sz="3200">
+                <a:solidFill>
+                  <a:schemeClr val="tx1"/>
+                </a:solidFill>
+                <a:latin typeface="+mj-lt"/>
+                <a:ea typeface="+mj-ea"/>
+                <a:cs typeface="+mj-cs"/>
+              </a:defRPr>
+            </a:lvl1pPr>
+            <a:lvl2pPr algn="l" rtl="1" eaLnBrk="1" fontAlgn="base" hangingPunct="1">
+              <a:spcBef>
+                <a:spcPct val="0"/>
+              </a:spcBef>
+              <a:spcAft>
+                <a:spcPct val="0"/>
+              </a:spcAft>
+              <a:buClr>
+                <a:schemeClr val="tx1"/>
+              </a:buClr>
+              <a:defRPr sz="3200">
+                <a:solidFill>
+                  <a:schemeClr val="tx1"/>
+                </a:solidFill>
+                <a:latin typeface="Arial" pitchFamily="34" charset="0"/>
+              </a:defRPr>
+            </a:lvl2pPr>
+            <a:lvl3pPr algn="l" rtl="1" eaLnBrk="1" fontAlgn="base" hangingPunct="1">
+              <a:spcBef>
+                <a:spcPct val="0"/>
+              </a:spcBef>
+              <a:spcAft>
+                <a:spcPct val="0"/>
+              </a:spcAft>
+              <a:buClr>
+                <a:schemeClr val="tx1"/>
+              </a:buClr>
+              <a:defRPr sz="3200">
+                <a:solidFill>
+                  <a:schemeClr val="tx1"/>
+                </a:solidFill>
+                <a:latin typeface="Arial" pitchFamily="34" charset="0"/>
+              </a:defRPr>
+            </a:lvl3pPr>
+            <a:lvl4pPr algn="l" rtl="1" eaLnBrk="1" fontAlgn="base" hangingPunct="1">
+              <a:spcBef>
+                <a:spcPct val="0"/>
+              </a:spcBef>
+              <a:spcAft>
+                <a:spcPct val="0"/>
+              </a:spcAft>
+              <a:buClr>
+                <a:schemeClr val="tx1"/>
+              </a:buClr>
+              <a:defRPr sz="3200">
+                <a:solidFill>
+                  <a:schemeClr val="tx1"/>
+                </a:solidFill>
+                <a:latin typeface="Arial" pitchFamily="34" charset="0"/>
+              </a:defRPr>
+            </a:lvl4pPr>
+            <a:lvl5pPr algn="l" rtl="1" eaLnBrk="1" fontAlgn="base" hangingPunct="1">
+              <a:spcBef>
+                <a:spcPct val="0"/>
+              </a:spcBef>
+              <a:spcAft>
+                <a:spcPct val="0"/>
+              </a:spcAft>
+              <a:buClr>
+                <a:schemeClr val="tx1"/>
+              </a:buClr>
+              <a:defRPr sz="3200">
+                <a:solidFill>
+                  <a:schemeClr val="tx1"/>
+                </a:solidFill>
+                <a:latin typeface="Arial" pitchFamily="34" charset="0"/>
+              </a:defRPr>
+            </a:lvl5pPr>
+            <a:lvl6pPr marL="457200" algn="l" rtl="1" eaLnBrk="1" fontAlgn="base" hangingPunct="1">
+              <a:spcBef>
+                <a:spcPct val="0"/>
+              </a:spcBef>
+              <a:spcAft>
+                <a:spcPct val="0"/>
+              </a:spcAft>
+              <a:buClr>
+                <a:schemeClr val="tx1"/>
+              </a:buClr>
+              <a:defRPr sz="3200">
+                <a:solidFill>
+                  <a:schemeClr val="tx1"/>
+                </a:solidFill>
+                <a:latin typeface="Arial" pitchFamily="34" charset="0"/>
+              </a:defRPr>
+            </a:lvl6pPr>
+            <a:lvl7pPr marL="914400" algn="l" rtl="1" eaLnBrk="1" fontAlgn="base" hangingPunct="1">
+              <a:spcBef>
+                <a:spcPct val="0"/>
+              </a:spcBef>
+              <a:spcAft>
+                <a:spcPct val="0"/>
+              </a:spcAft>
+              <a:buClr>
+                <a:schemeClr val="tx1"/>
+              </a:buClr>
+              <a:defRPr sz="3200">
+                <a:solidFill>
+                  <a:schemeClr val="tx1"/>
+                </a:solidFill>
+                <a:latin typeface="Arial" pitchFamily="34" charset="0"/>
+              </a:defRPr>
+            </a:lvl7pPr>
+            <a:lvl8pPr marL="1371600" algn="l" rtl="1" eaLnBrk="1" fontAlgn="base" hangingPunct="1">
+              <a:spcBef>
+                <a:spcPct val="0"/>
+              </a:spcBef>
+              <a:spcAft>
+                <a:spcPct val="0"/>
+              </a:spcAft>
+              <a:buClr>
+                <a:schemeClr val="tx1"/>
+              </a:buClr>
+              <a:defRPr sz="3200">
+                <a:solidFill>
+                  <a:schemeClr val="tx1"/>
+                </a:solidFill>
+                <a:latin typeface="Arial" pitchFamily="34" charset="0"/>
+              </a:defRPr>
+            </a:lvl8pPr>
+            <a:lvl9pPr marL="1828800" algn="l" rtl="1" eaLnBrk="1" fontAlgn="base" hangingPunct="1">
+              <a:spcBef>
+                <a:spcPct val="0"/>
+              </a:spcBef>
+              <a:spcAft>
+                <a:spcPct val="0"/>
+              </a:spcAft>
+              <a:buClr>
+                <a:schemeClr val="tx1"/>
+              </a:buClr>
+              <a:defRPr sz="3200">
+                <a:solidFill>
+                  <a:schemeClr val="tx1"/>
+                </a:solidFill>
+                <a:latin typeface="Arial" pitchFamily="34" charset="0"/>
+              </a:defRPr>
+            </a:lvl9pPr>
+          </a:lstStyle>
+          <a:p>
+            <a:pPr algn="r"/>
+            <a:r>
+              <a:rPr lang="he-IL" b="1" kern="0" dirty="0" smtClean="0"/>
+              <a:t>תוצאות ומסקנות </a:t>
+            </a:r>
+            <a:r>
+              <a:rPr lang="en-US" b="1" kern="0" dirty="0" smtClean="0"/>
+              <a:t>II</a:t>
+            </a:r>
+            <a:endParaRPr lang="he-IL" altLang="he-IL" kern="0" dirty="0"/>
+          </a:p>
+        </p:txBody>
+      </p:sp>
+      <p:sp>
+        <p:nvSpPr>
+          <p:cNvPr id="8" name="Rectangle 7"/>
+          <p:cNvSpPr/>
+          <p:nvPr/>
+        </p:nvSpPr>
+        <p:spPr>
+          <a:xfrm>
+            <a:off x="1299993" y="922678"/>
+            <a:ext cx="7524328" cy="383823"/>
+          </a:xfrm>
+          <a:prstGeom prst="rect">
+            <a:avLst/>
+          </a:prstGeom>
+        </p:spPr>
+        <p:txBody>
+          <a:bodyPr wrap="square">
+            <a:spAutoFit/>
+          </a:bodyPr>
+          <a:lstStyle/>
+          <a:p>
+            <a:pPr algn="r" rtl="1">
+              <a:lnSpc>
+                <a:spcPct val="115000"/>
+              </a:lnSpc>
+              <a:spcBef>
+                <a:spcPts val="1000"/>
+              </a:spcBef>
+              <a:spcAft>
+                <a:spcPts val="0"/>
+              </a:spcAft>
+            </a:pPr>
+            <a:r>
+              <a:rPr lang="he-IL" b="1" dirty="0" smtClean="0"/>
+              <a:t>בדיקה</a:t>
+            </a:r>
+            <a:r>
+              <a:rPr lang="he-IL" b="1" dirty="0"/>
+              <a:t>: האם מספר הדגימות משפיע על פקטור המיקבול?</a:t>
+            </a:r>
+            <a:endParaRPr lang="en-US" b="1" dirty="0"/>
+          </a:p>
+        </p:txBody>
+      </p:sp>
+      <p:sp>
+        <p:nvSpPr>
+          <p:cNvPr id="11" name="Rectangle 10"/>
+          <p:cNvSpPr/>
+          <p:nvPr/>
+        </p:nvSpPr>
+        <p:spPr>
+          <a:xfrm>
+            <a:off x="295783" y="4827820"/>
+            <a:ext cx="8622530" cy="1831271"/>
+          </a:xfrm>
+          <a:prstGeom prst="rect">
+            <a:avLst/>
+          </a:prstGeom>
+        </p:spPr>
+        <p:txBody>
+          <a:bodyPr wrap="square">
+            <a:spAutoFit/>
+          </a:bodyPr>
+          <a:lstStyle/>
+          <a:p>
+            <a:pPr algn="r" rtl="1"/>
+            <a:r>
+              <a:rPr lang="he-IL" u="sng" dirty="0"/>
+              <a:t>מסקנה</a:t>
+            </a:r>
+            <a:r>
+              <a:rPr lang="he-IL" dirty="0"/>
+              <a:t>: </a:t>
+            </a:r>
+            <a:endParaRPr lang="he-IL" dirty="0" smtClean="0"/>
+          </a:p>
+          <a:p>
+            <a:pPr algn="r" rtl="1"/>
+            <a:r>
+              <a:rPr lang="he-IL" b="1" dirty="0" smtClean="0"/>
+              <a:t>המיקבול </a:t>
+            </a:r>
+            <a:r>
+              <a:rPr lang="he-IL" b="1" dirty="0"/>
+              <a:t>נותר יעיל פי 4-5 ללא תלות במספר הדגימות.</a:t>
+            </a:r>
+            <a:endParaRPr lang="en-US" b="1" dirty="0"/>
+          </a:p>
+          <a:p>
+            <a:pPr algn="r" rtl="1"/>
+            <a:r>
+              <a:rPr lang="he-IL" dirty="0"/>
+              <a:t> </a:t>
+            </a:r>
+            <a:endParaRPr lang="en-US" dirty="0"/>
+          </a:p>
+          <a:p>
+            <a:pPr algn="r" rtl="1"/>
+            <a:r>
+              <a:rPr lang="he-IL" dirty="0"/>
+              <a:t>ציר </a:t>
+            </a:r>
+            <a:r>
+              <a:rPr lang="en-US" dirty="0"/>
+              <a:t>X</a:t>
+            </a:r>
+            <a:r>
+              <a:rPr lang="he-IL" dirty="0"/>
+              <a:t>: מספר הדגימות</a:t>
+            </a:r>
+            <a:endParaRPr lang="en-US" dirty="0"/>
+          </a:p>
+          <a:p>
+            <a:pPr algn="r" rtl="1"/>
+            <a:r>
+              <a:rPr lang="he-IL" dirty="0"/>
+              <a:t>ציר </a:t>
+            </a:r>
+            <a:r>
+              <a:rPr lang="en-US" dirty="0"/>
+              <a:t>Y</a:t>
+            </a:r>
+            <a:r>
+              <a:rPr lang="he-IL" dirty="0"/>
+              <a:t>: סה"כ שניות שנדרשו להשוואת </a:t>
+            </a:r>
+            <a:r>
+              <a:rPr lang="en-US" dirty="0"/>
+              <a:t>X</a:t>
+            </a:r>
+            <a:r>
+              <a:rPr lang="he-IL" dirty="0"/>
+              <a:t> דגימות באורך </a:t>
+            </a:r>
+            <a:r>
+              <a:rPr lang="en-US" dirty="0"/>
+              <a:t>35bp</a:t>
+            </a:r>
+            <a:r>
+              <a:rPr lang="he-IL" dirty="0"/>
+              <a:t> (ממוקבל / לא ממוקבל)</a:t>
+            </a:r>
+            <a:endParaRPr lang="en-US" dirty="0"/>
+          </a:p>
+          <a:p>
+            <a:pPr marL="457200" algn="r" rtl="1">
+              <a:lnSpc>
+                <a:spcPct val="115000"/>
+              </a:lnSpc>
+              <a:spcAft>
+                <a:spcPts val="0"/>
+              </a:spcAft>
+            </a:pPr>
+            <a:r>
+              <a:rPr lang="he-IL" dirty="0"/>
+              <a:t> </a:t>
+            </a:r>
+            <a:r>
+              <a:rPr lang="en-US" dirty="0"/>
+              <a:t> </a:t>
+            </a:r>
+            <a:endParaRPr lang="en-US" sz="2000" dirty="0">
+              <a:latin typeface="Calibri"/>
+              <a:ea typeface="Times New Roman"/>
+              <a:cs typeface="Arial"/>
+            </a:endParaRPr>
+          </a:p>
+        </p:txBody>
+      </p:sp>
+      <p:pic>
+        <p:nvPicPr>
+          <p:cNvPr id="7" name="Picture 6"/>
+          <p:cNvPicPr/>
+          <p:nvPr/>
+        </p:nvPicPr>
+        <p:blipFill>
+          <a:blip r:embed="rId3"/>
+          <a:stretch>
+            <a:fillRect/>
+          </a:stretch>
+        </p:blipFill>
+        <p:spPr>
+          <a:xfrm>
+            <a:off x="251520" y="1412955"/>
+            <a:ext cx="7216452" cy="3528213"/>
+          </a:xfrm>
+          <a:prstGeom prst="rect">
+            <a:avLst/>
+          </a:prstGeom>
+        </p:spPr>
+      </p:pic>
+    </p:spTree>
+    <p:extLst>
+      <p:ext uri="{BB962C8B-B14F-4D97-AF65-F5344CB8AC3E}">
+        <p14:creationId xmlns:p14="http://schemas.microsoft.com/office/powerpoint/2010/main" val="2920388488"/>
       </p:ext>
     </p:extLst>
   </p:cSld>
@@ -32368,461 +31447,6 @@
             </a:r>
             <a:r>
               <a:rPr lang="en-US" b="1" kern="0" dirty="0" smtClean="0"/>
-              <a:t>II</a:t>
-            </a:r>
-            <a:endParaRPr lang="he-IL" altLang="he-IL" kern="0" dirty="0"/>
-          </a:p>
-        </p:txBody>
-      </p:sp>
-      <p:sp>
-        <p:nvSpPr>
-          <p:cNvPr id="8" name="Rectangle 7"/>
-          <p:cNvSpPr/>
-          <p:nvPr/>
-        </p:nvSpPr>
-        <p:spPr>
-          <a:xfrm>
-            <a:off x="1299993" y="922678"/>
-            <a:ext cx="7524328" cy="383823"/>
-          </a:xfrm>
-          <a:prstGeom prst="rect">
-            <a:avLst/>
-          </a:prstGeom>
-        </p:spPr>
-        <p:txBody>
-          <a:bodyPr wrap="square">
-            <a:spAutoFit/>
-          </a:bodyPr>
-          <a:lstStyle/>
-          <a:p>
-            <a:pPr algn="r" rtl="1">
-              <a:lnSpc>
-                <a:spcPct val="115000"/>
-              </a:lnSpc>
-              <a:spcBef>
-                <a:spcPts val="1000"/>
-              </a:spcBef>
-              <a:spcAft>
-                <a:spcPts val="0"/>
-              </a:spcAft>
-            </a:pPr>
-            <a:r>
-              <a:rPr lang="he-IL" b="1" dirty="0" smtClean="0"/>
-              <a:t>בדיקה</a:t>
-            </a:r>
-            <a:r>
-              <a:rPr lang="he-IL" b="1" dirty="0"/>
-              <a:t>: האם מספר הדגימות משפיע על פקטור המיקבול?</a:t>
-            </a:r>
-            <a:endParaRPr lang="en-US" b="1" dirty="0"/>
-          </a:p>
-        </p:txBody>
-      </p:sp>
-      <p:sp>
-        <p:nvSpPr>
-          <p:cNvPr id="11" name="Rectangle 10"/>
-          <p:cNvSpPr/>
-          <p:nvPr/>
-        </p:nvSpPr>
-        <p:spPr>
-          <a:xfrm>
-            <a:off x="295783" y="4827820"/>
-            <a:ext cx="8622530" cy="1831271"/>
-          </a:xfrm>
-          <a:prstGeom prst="rect">
-            <a:avLst/>
-          </a:prstGeom>
-        </p:spPr>
-        <p:txBody>
-          <a:bodyPr wrap="square">
-            <a:spAutoFit/>
-          </a:bodyPr>
-          <a:lstStyle/>
-          <a:p>
-            <a:pPr algn="r" rtl="1"/>
-            <a:r>
-              <a:rPr lang="he-IL" u="sng" dirty="0"/>
-              <a:t>מסקנה</a:t>
-            </a:r>
-            <a:r>
-              <a:rPr lang="he-IL" dirty="0"/>
-              <a:t>: </a:t>
-            </a:r>
-            <a:endParaRPr lang="he-IL" dirty="0" smtClean="0"/>
-          </a:p>
-          <a:p>
-            <a:pPr algn="r" rtl="1"/>
-            <a:r>
-              <a:rPr lang="he-IL" b="1" dirty="0" smtClean="0"/>
-              <a:t>המיקבול </a:t>
-            </a:r>
-            <a:r>
-              <a:rPr lang="he-IL" b="1" dirty="0"/>
-              <a:t>נותר יעיל פי 4-5 ללא תלות במספר הדגימות.</a:t>
-            </a:r>
-            <a:endParaRPr lang="en-US" b="1" dirty="0"/>
-          </a:p>
-          <a:p>
-            <a:pPr algn="r" rtl="1"/>
-            <a:r>
-              <a:rPr lang="he-IL" dirty="0"/>
-              <a:t> </a:t>
-            </a:r>
-            <a:endParaRPr lang="en-US" dirty="0"/>
-          </a:p>
-          <a:p>
-            <a:pPr algn="r" rtl="1"/>
-            <a:r>
-              <a:rPr lang="he-IL" dirty="0"/>
-              <a:t>ציר </a:t>
-            </a:r>
-            <a:r>
-              <a:rPr lang="en-US" dirty="0"/>
-              <a:t>X</a:t>
-            </a:r>
-            <a:r>
-              <a:rPr lang="he-IL" dirty="0"/>
-              <a:t>: מספר הדגימות</a:t>
-            </a:r>
-            <a:endParaRPr lang="en-US" dirty="0"/>
-          </a:p>
-          <a:p>
-            <a:pPr algn="r" rtl="1"/>
-            <a:r>
-              <a:rPr lang="he-IL" dirty="0"/>
-              <a:t>ציר </a:t>
-            </a:r>
-            <a:r>
-              <a:rPr lang="en-US" dirty="0"/>
-              <a:t>Y</a:t>
-            </a:r>
-            <a:r>
-              <a:rPr lang="he-IL" dirty="0"/>
-              <a:t>: סה"כ שניות שנדרשו להשוואת </a:t>
-            </a:r>
-            <a:r>
-              <a:rPr lang="en-US" dirty="0"/>
-              <a:t>X</a:t>
-            </a:r>
-            <a:r>
-              <a:rPr lang="he-IL" dirty="0"/>
-              <a:t> דגימות באורך </a:t>
-            </a:r>
-            <a:r>
-              <a:rPr lang="en-US" dirty="0"/>
-              <a:t>35bp</a:t>
-            </a:r>
-            <a:r>
-              <a:rPr lang="he-IL" dirty="0"/>
-              <a:t> (ממוקבל / לא ממוקבל)</a:t>
-            </a:r>
-            <a:endParaRPr lang="en-US" dirty="0"/>
-          </a:p>
-          <a:p>
-            <a:pPr marL="457200" algn="r" rtl="1">
-              <a:lnSpc>
-                <a:spcPct val="115000"/>
-              </a:lnSpc>
-              <a:spcAft>
-                <a:spcPts val="0"/>
-              </a:spcAft>
-            </a:pPr>
-            <a:r>
-              <a:rPr lang="he-IL" dirty="0"/>
-              <a:t> </a:t>
-            </a:r>
-            <a:r>
-              <a:rPr lang="en-US" dirty="0"/>
-              <a:t> </a:t>
-            </a:r>
-            <a:endParaRPr lang="en-US" sz="2000" dirty="0">
-              <a:latin typeface="Calibri"/>
-              <a:ea typeface="Times New Roman"/>
-              <a:cs typeface="Arial"/>
-            </a:endParaRPr>
-          </a:p>
-        </p:txBody>
-      </p:sp>
-      <p:pic>
-        <p:nvPicPr>
-          <p:cNvPr id="7" name="Picture 6"/>
-          <p:cNvPicPr/>
-          <p:nvPr/>
-        </p:nvPicPr>
-        <p:blipFill>
-          <a:blip r:embed="rId3"/>
-          <a:stretch>
-            <a:fillRect/>
-          </a:stretch>
-        </p:blipFill>
-        <p:spPr>
-          <a:xfrm>
-            <a:off x="251520" y="1412955"/>
-            <a:ext cx="7216452" cy="3528213"/>
-          </a:xfrm>
-          <a:prstGeom prst="rect">
-            <a:avLst/>
-          </a:prstGeom>
-        </p:spPr>
-      </p:pic>
-    </p:spTree>
-    <p:extLst>
-      <p:ext uri="{BB962C8B-B14F-4D97-AF65-F5344CB8AC3E}">
-        <p14:creationId xmlns:p14="http://schemas.microsoft.com/office/powerpoint/2010/main" val="2920388488"/>
-      </p:ext>
-    </p:extLst>
-  </p:cSld>
-  <p:clrMapOvr>
-    <a:masterClrMapping/>
-  </p:clrMapOvr>
-  <p:timing>
-    <p:tnLst>
-      <p:par>
-        <p:cTn id="1" dur="indefinite" restart="never" nodeType="tmRoot"/>
-      </p:par>
-    </p:tnLst>
-  </p:timing>
-</p:sld>
-</file>
-
-<file path=ppt/slides/slide21.xml><?xml version="1.0" encoding="utf-8"?>
-<p:sld xmlns:a="http://schemas.openxmlformats.org/drawingml/2006/main" xmlns:r="http://schemas.openxmlformats.org/officeDocument/2006/relationships" xmlns:p="http://schemas.openxmlformats.org/presentationml/2006/main">
-  <p:cSld>
-    <p:spTree>
-      <p:nvGrpSpPr>
-        <p:cNvPr id="1" name=""/>
-        <p:cNvGrpSpPr/>
-        <p:nvPr/>
-      </p:nvGrpSpPr>
-      <p:grpSpPr>
-        <a:xfrm>
-          <a:off x="0" y="0"/>
-          <a:ext cx="0" cy="0"/>
-          <a:chOff x="0" y="0"/>
-          <a:chExt cx="0" cy="0"/>
-        </a:xfrm>
-      </p:grpSpPr>
-      <p:sp>
-        <p:nvSpPr>
-          <p:cNvPr id="6" name="Rectangle 2"/>
-          <p:cNvSpPr txBox="1">
-            <a:spLocks noChangeArrowheads="1"/>
-          </p:cNvSpPr>
-          <p:nvPr/>
-        </p:nvSpPr>
-        <p:spPr bwMode="auto">
-          <a:xfrm>
-            <a:off x="2701404" y="338281"/>
-            <a:ext cx="6316662" cy="428298"/>
-          </a:xfrm>
-          <a:prstGeom prst="rect">
-            <a:avLst/>
-          </a:prstGeom>
-          <a:noFill/>
-          <a:ln>
-            <a:noFill/>
-          </a:ln>
-          <a:effectLst/>
-          <a:extLst>
-            <a:ext uri="{909E8E84-426E-40DD-AFC4-6F175D3DCCD1}">
-              <a14:hiddenFill xmlns:a14="http://schemas.microsoft.com/office/drawing/2010/main">
-                <a:solidFill>
-                  <a:srgbClr val="7AA1FF"/>
-                </a:solidFill>
-              </a14:hiddenFill>
-            </a:ext>
-            <a:ext uri="{91240B29-F687-4F45-9708-019B960494DF}">
-              <a14:hiddenLine xmlns:a14="http://schemas.microsoft.com/office/drawing/2010/main" w="9525">
-                <a:solidFill>
-                  <a:srgbClr val="000000"/>
-                </a:solidFill>
-                <a:miter lim="800000"/>
-                <a:headEnd/>
-                <a:tailEnd/>
-              </a14:hiddenLine>
-            </a:ext>
-            <a:ext uri="{AF507438-7753-43E0-B8FC-AC1667EBCBE1}">
-              <a14:hiddenEffects xmlns:a14="http://schemas.microsoft.com/office/drawing/2010/main">
-                <a:effectLst>
-                  <a:outerShdw dist="35921" dir="2700000" algn="ctr" rotWithShape="0">
-                    <a:schemeClr val="bg2"/>
-                  </a:outerShdw>
-                </a:effectLst>
-              </a14:hiddenEffects>
-            </a:ext>
-          </a:extLst>
-        </p:spPr>
-        <p:txBody>
-          <a:bodyPr vert="horz" wrap="square" lIns="91440" tIns="45720" rIns="91440" bIns="45720" numCol="1" anchor="b" anchorCtr="0" compatLnSpc="1">
-            <a:prstTxWarp prst="textNoShape">
-              <a:avLst/>
-            </a:prstTxWarp>
-          </a:bodyPr>
-          <a:lstStyle>
-            <a:lvl1pPr algn="l" rtl="1" eaLnBrk="1" fontAlgn="base" hangingPunct="1">
-              <a:spcBef>
-                <a:spcPct val="0"/>
-              </a:spcBef>
-              <a:spcAft>
-                <a:spcPct val="0"/>
-              </a:spcAft>
-              <a:buClr>
-                <a:schemeClr val="tx1"/>
-              </a:buClr>
-              <a:defRPr sz="3200">
-                <a:solidFill>
-                  <a:schemeClr val="tx1"/>
-                </a:solidFill>
-                <a:latin typeface="+mj-lt"/>
-                <a:ea typeface="+mj-ea"/>
-                <a:cs typeface="+mj-cs"/>
-              </a:defRPr>
-            </a:lvl1pPr>
-            <a:lvl2pPr algn="l" rtl="1" eaLnBrk="1" fontAlgn="base" hangingPunct="1">
-              <a:spcBef>
-                <a:spcPct val="0"/>
-              </a:spcBef>
-              <a:spcAft>
-                <a:spcPct val="0"/>
-              </a:spcAft>
-              <a:buClr>
-                <a:schemeClr val="tx1"/>
-              </a:buClr>
-              <a:defRPr sz="3200">
-                <a:solidFill>
-                  <a:schemeClr val="tx1"/>
-                </a:solidFill>
-                <a:latin typeface="Arial" pitchFamily="34" charset="0"/>
-              </a:defRPr>
-            </a:lvl2pPr>
-            <a:lvl3pPr algn="l" rtl="1" eaLnBrk="1" fontAlgn="base" hangingPunct="1">
-              <a:spcBef>
-                <a:spcPct val="0"/>
-              </a:spcBef>
-              <a:spcAft>
-                <a:spcPct val="0"/>
-              </a:spcAft>
-              <a:buClr>
-                <a:schemeClr val="tx1"/>
-              </a:buClr>
-              <a:defRPr sz="3200">
-                <a:solidFill>
-                  <a:schemeClr val="tx1"/>
-                </a:solidFill>
-                <a:latin typeface="Arial" pitchFamily="34" charset="0"/>
-              </a:defRPr>
-            </a:lvl3pPr>
-            <a:lvl4pPr algn="l" rtl="1" eaLnBrk="1" fontAlgn="base" hangingPunct="1">
-              <a:spcBef>
-                <a:spcPct val="0"/>
-              </a:spcBef>
-              <a:spcAft>
-                <a:spcPct val="0"/>
-              </a:spcAft>
-              <a:buClr>
-                <a:schemeClr val="tx1"/>
-              </a:buClr>
-              <a:defRPr sz="3200">
-                <a:solidFill>
-                  <a:schemeClr val="tx1"/>
-                </a:solidFill>
-                <a:latin typeface="Arial" pitchFamily="34" charset="0"/>
-              </a:defRPr>
-            </a:lvl4pPr>
-            <a:lvl5pPr algn="l" rtl="1" eaLnBrk="1" fontAlgn="base" hangingPunct="1">
-              <a:spcBef>
-                <a:spcPct val="0"/>
-              </a:spcBef>
-              <a:spcAft>
-                <a:spcPct val="0"/>
-              </a:spcAft>
-              <a:buClr>
-                <a:schemeClr val="tx1"/>
-              </a:buClr>
-              <a:defRPr sz="3200">
-                <a:solidFill>
-                  <a:schemeClr val="tx1"/>
-                </a:solidFill>
-                <a:latin typeface="Arial" pitchFamily="34" charset="0"/>
-              </a:defRPr>
-            </a:lvl5pPr>
-            <a:lvl6pPr marL="457200" algn="l" rtl="1" eaLnBrk="1" fontAlgn="base" hangingPunct="1">
-              <a:spcBef>
-                <a:spcPct val="0"/>
-              </a:spcBef>
-              <a:spcAft>
-                <a:spcPct val="0"/>
-              </a:spcAft>
-              <a:buClr>
-                <a:schemeClr val="tx1"/>
-              </a:buClr>
-              <a:defRPr sz="3200">
-                <a:solidFill>
-                  <a:schemeClr val="tx1"/>
-                </a:solidFill>
-                <a:latin typeface="Arial" pitchFamily="34" charset="0"/>
-              </a:defRPr>
-            </a:lvl6pPr>
-            <a:lvl7pPr marL="914400" algn="l" rtl="1" eaLnBrk="1" fontAlgn="base" hangingPunct="1">
-              <a:spcBef>
-                <a:spcPct val="0"/>
-              </a:spcBef>
-              <a:spcAft>
-                <a:spcPct val="0"/>
-              </a:spcAft>
-              <a:buClr>
-                <a:schemeClr val="tx1"/>
-              </a:buClr>
-              <a:defRPr sz="3200">
-                <a:solidFill>
-                  <a:schemeClr val="tx1"/>
-                </a:solidFill>
-                <a:latin typeface="Arial" pitchFamily="34" charset="0"/>
-              </a:defRPr>
-            </a:lvl7pPr>
-            <a:lvl8pPr marL="1371600" algn="l" rtl="1" eaLnBrk="1" fontAlgn="base" hangingPunct="1">
-              <a:spcBef>
-                <a:spcPct val="0"/>
-              </a:spcBef>
-              <a:spcAft>
-                <a:spcPct val="0"/>
-              </a:spcAft>
-              <a:buClr>
-                <a:schemeClr val="tx1"/>
-              </a:buClr>
-              <a:defRPr sz="3200">
-                <a:solidFill>
-                  <a:schemeClr val="tx1"/>
-                </a:solidFill>
-                <a:latin typeface="Arial" pitchFamily="34" charset="0"/>
-              </a:defRPr>
-            </a:lvl8pPr>
-            <a:lvl9pPr marL="1828800" algn="l" rtl="1" eaLnBrk="1" fontAlgn="base" hangingPunct="1">
-              <a:spcBef>
-                <a:spcPct val="0"/>
-              </a:spcBef>
-              <a:spcAft>
-                <a:spcPct val="0"/>
-              </a:spcAft>
-              <a:buClr>
-                <a:schemeClr val="tx1"/>
-              </a:buClr>
-              <a:defRPr sz="3200">
-                <a:solidFill>
-                  <a:schemeClr val="tx1"/>
-                </a:solidFill>
-                <a:latin typeface="Arial" pitchFamily="34" charset="0"/>
-              </a:defRPr>
-            </a:lvl9pPr>
-          </a:lstStyle>
-          <a:p>
-            <a:pPr algn="r"/>
-            <a:r>
-              <a:rPr lang="he-IL" b="1" kern="0" dirty="0" smtClean="0"/>
-              <a:t>תוצאות ומסקנות </a:t>
-            </a:r>
-            <a:r>
-              <a:rPr lang="en-US" b="1" kern="0" dirty="0" smtClean="0"/>
               <a:t>III</a:t>
             </a:r>
             <a:endParaRPr lang="he-IL" altLang="he-IL" kern="0" dirty="0"/>
@@ -33060,7 +31684,7 @@
 </p:sld>
 </file>
 
-<file path=ppt/slides/slide22.xml><?xml version="1.0" encoding="utf-8"?>
+<file path=ppt/slides/slide21.xml><?xml version="1.0" encoding="utf-8"?>
 <p:sld xmlns:a="http://schemas.openxmlformats.org/drawingml/2006/main" xmlns:r="http://schemas.openxmlformats.org/officeDocument/2006/relationships" xmlns:p="http://schemas.openxmlformats.org/presentationml/2006/main">
   <p:cSld>
     <p:spTree>
@@ -33086,7 +31710,7 @@
         <p:spPr>
           <a:xfrm>
             <a:off x="226789" y="1196752"/>
-            <a:ext cx="8820472" cy="4524315"/>
+            <a:ext cx="8820472" cy="5262979"/>
           </a:xfrm>
           <a:prstGeom prst="rect">
             <a:avLst/>
@@ -33114,6 +31738,22 @@
               <a:rPr lang="he-IL" sz="2400" dirty="0" smtClean="0"/>
               <a:t>. </a:t>
             </a:r>
+            <a:endParaRPr lang="he-IL" sz="2400" dirty="0" smtClean="0"/>
+          </a:p>
+          <a:p>
+            <a:pPr marL="342900" indent="-342900" algn="r" rtl="1">
+              <a:buFont typeface="+mj-lt"/>
+              <a:buAutoNum type="arabicPeriod"/>
+            </a:pPr>
+            <a:r>
+              <a:rPr lang="he-IL" sz="2400" dirty="0" smtClean="0"/>
+              <a:t>מספר הדגימות </a:t>
+            </a:r>
+            <a:r>
+              <a:rPr lang="he-IL" sz="2400" dirty="0"/>
+              <a:t>אינו משפיע על זמן הריצה של האלגוריתם הממוקבל ביחס לאלגוריתם הסדרתי. </a:t>
+            </a:r>
+            <a:endParaRPr lang="he-IL" sz="2400" dirty="0" smtClean="0"/>
           </a:p>
           <a:p>
             <a:pPr marL="342900" lvl="0" indent="-342900" algn="r" rtl="1">
@@ -33234,7 +31874,7 @@
 </p:sld>
 </file>
 
-<file path=ppt/slides/slide23.xml><?xml version="1.0" encoding="utf-8"?>
+<file path=ppt/slides/slide22.xml><?xml version="1.0" encoding="utf-8"?>
 <p:sld xmlns:a="http://schemas.openxmlformats.org/drawingml/2006/main" xmlns:r="http://schemas.openxmlformats.org/officeDocument/2006/relationships" xmlns:p="http://schemas.openxmlformats.org/presentationml/2006/main">
   <p:cSld>
     <p:spTree>
@@ -34442,8 +33082,8 @@
           </a:p>
         </p:txBody>
       </p:sp>
-      <mc:AlternateContent xmlns:mc="http://schemas.openxmlformats.org/markup-compatibility/2006">
-        <mc:Choice xmlns:a14="http://schemas.microsoft.com/office/drawing/2010/main" Requires="a14">
+      <mc:AlternateContent xmlns:mc="http://schemas.openxmlformats.org/markup-compatibility/2006" xmlns:a14="http://schemas.microsoft.com/office/drawing/2010/main">
+        <mc:Choice Requires="a14">
           <p:sp>
             <p:nvSpPr>
               <p:cNvPr id="54275" name="Rectangle 3"/>
@@ -34842,7 +33482,7 @@
             </p:txBody>
           </p:sp>
         </mc:Choice>
-        <mc:Fallback>
+        <mc:Fallback xmlns="">
           <p:sp>
             <p:nvSpPr>
               <p:cNvPr id="54275" name="Rectangle 3"/>
@@ -35267,8 +33907,8 @@
           </a:p>
         </p:txBody>
       </p:sp>
-      <mc:AlternateContent xmlns:mc="http://schemas.openxmlformats.org/markup-compatibility/2006">
-        <mc:Choice xmlns:a14="http://schemas.microsoft.com/office/drawing/2010/main" Requires="a14">
+      <mc:AlternateContent xmlns:mc="http://schemas.openxmlformats.org/markup-compatibility/2006" xmlns:a14="http://schemas.microsoft.com/office/drawing/2010/main">
+        <mc:Choice Requires="a14">
           <p:sp>
             <p:nvSpPr>
               <p:cNvPr id="54275" name="Rectangle 3"/>
@@ -35665,7 +34305,7 @@
             </p:txBody>
           </p:sp>
         </mc:Choice>
-        <mc:Fallback>
+        <mc:Fallback xmlns="">
           <p:sp>
             <p:nvSpPr>
               <p:cNvPr id="54275" name="Rectangle 3"/>
@@ -36090,8 +34730,8 @@
           </a:p>
         </p:txBody>
       </p:sp>
-      <mc:AlternateContent xmlns:mc="http://schemas.openxmlformats.org/markup-compatibility/2006">
-        <mc:Choice xmlns:a14="http://schemas.microsoft.com/office/drawing/2010/main" Requires="a14">
+      <mc:AlternateContent xmlns:mc="http://schemas.openxmlformats.org/markup-compatibility/2006" xmlns:a14="http://schemas.microsoft.com/office/drawing/2010/main">
+        <mc:Choice Requires="a14">
           <p:sp>
             <p:nvSpPr>
               <p:cNvPr id="54275" name="Rectangle 3"/>
@@ -36143,19 +34783,7 @@
                   <a:rPr lang="he-IL" sz="2000" dirty="0">
                     <a:latin typeface="Arial" pitchFamily="34" charset="0"/>
                   </a:rPr>
-                  <a:t>אם לא נפלה אף שגיאה</a:t>
-                </a:r>
-                <a:r>
-                  <a:rPr lang="he-IL" sz="2000" dirty="0">
-                    <a:latin typeface="Arial" pitchFamily="34" charset="0"/>
-                  </a:rPr>
-                  <a:t> –  </a:t>
-                </a:r>
-                <a:r>
-                  <a:rPr lang="he-IL" sz="2000" dirty="0">
-                    <a:latin typeface="Arial" pitchFamily="34" charset="0"/>
-                  </a:rPr>
-                  <a:t>ישנה מחרוזת 1 להשוואה - </a:t>
+                  <a:t>אם לא נפלה אף שגיאה –  ישנה מחרוזת 1 להשוואה - </a:t>
                 </a:r>
                 <a14:m>
                   <m:oMath xmlns:m="http://schemas.openxmlformats.org/officeDocument/2006/math">
@@ -36227,25 +34855,7 @@
                   <a:rPr lang="he-IL" sz="2000" dirty="0">
                     <a:latin typeface="Arial" pitchFamily="34" charset="0"/>
                   </a:rPr>
-                  <a:t>אם נפלה שגיאה אחת</a:t>
-                </a:r>
-                <a:r>
-                  <a:rPr lang="he-IL" sz="2000" dirty="0">
-                    <a:latin typeface="Arial" pitchFamily="34" charset="0"/>
-                  </a:rPr>
-                  <a:t> אחת – ישנם 400 </a:t>
-                </a:r>
-                <a:r>
-                  <a:rPr lang="he-IL" sz="2000" dirty="0">
-                    <a:latin typeface="Arial" pitchFamily="34" charset="0"/>
-                  </a:rPr>
-                  <a:t>מחרוזות להשוואה</a:t>
-                </a:r>
-                <a:r>
-                  <a:rPr lang="he-IL" sz="2000" dirty="0">
-                    <a:latin typeface="Arial" pitchFamily="34" charset="0"/>
-                  </a:rPr>
-                  <a:t> - </a:t>
+                  <a:t>אם נפלה שגיאה אחת אחת – ישנם 400 מחרוזות להשוואה - </a:t>
                 </a:r>
                 <a14:m>
                   <m:oMath xmlns:m="http://schemas.openxmlformats.org/officeDocument/2006/math">
@@ -36397,25 +35007,13 @@
                   <a:rPr lang="en-US" sz="2000" dirty="0">
                     <a:latin typeface="Arial" pitchFamily="34" charset="0"/>
                   </a:rPr>
-                  <a:t> </a:t>
-                </a:r>
-                <a:r>
-                  <a:rPr lang="en-US" sz="2000" dirty="0">
-                    <a:latin typeface="Arial" pitchFamily="34" charset="0"/>
-                  </a:rPr>
-                  <a:t>79,200</a:t>
+                  <a:t> 79,200</a:t>
                 </a:r>
                 <a:r>
                   <a:rPr lang="he-IL" sz="2000" dirty="0">
                     <a:latin typeface="Arial" pitchFamily="34" charset="0"/>
                   </a:rPr>
-                  <a:t>מחרוזות </a:t>
-                </a:r>
-                <a:r>
-                  <a:rPr lang="he-IL" sz="2000" dirty="0">
-                    <a:latin typeface="Arial" pitchFamily="34" charset="0"/>
-                  </a:rPr>
-                  <a:t>להשוואה</a:t>
+                  <a:t>מחרוזות להשוואה</a:t>
                 </a:r>
                 <a14:m>
                   <m:oMath xmlns:m="http://schemas.openxmlformats.org/officeDocument/2006/math">
@@ -36558,13 +35156,7 @@
                   <a:rPr lang="he-IL" sz="2000" dirty="0" smtClean="0">
                     <a:latin typeface="Arial" pitchFamily="34" charset="0"/>
                   </a:rPr>
-                  <a:t>זמן </a:t>
-                </a:r>
-                <a:r>
-                  <a:rPr lang="he-IL" sz="2000" dirty="0" smtClean="0">
-                    <a:latin typeface="Arial" pitchFamily="34" charset="0"/>
-                  </a:rPr>
-                  <a:t>הריצה עולה משמעותית...</a:t>
+                  <a:t>זמן הריצה עולה משמעותית...</a:t>
                 </a:r>
                 <a:endParaRPr lang="en-US" sz="2000" dirty="0">
                   <a:latin typeface="Arial" pitchFamily="34" charset="0"/>
@@ -36612,7 +35204,7 @@
             </p:txBody>
           </p:sp>
         </mc:Choice>
-        <mc:Fallback>
+        <mc:Fallback xmlns="">
           <p:sp>
             <p:nvSpPr>
               <p:cNvPr id="54275" name="Rectangle 3"/>
@@ -39256,8 +37848,8 @@
           </a:p>
         </p:txBody>
       </p:sp>
-      <mc:AlternateContent xmlns:mc="http://schemas.openxmlformats.org/markup-compatibility/2006">
-        <mc:Choice xmlns:a14="http://schemas.microsoft.com/office/drawing/2010/main" Requires="a14">
+      <mc:AlternateContent xmlns:mc="http://schemas.openxmlformats.org/markup-compatibility/2006" xmlns:a14="http://schemas.microsoft.com/office/drawing/2010/main">
+        <mc:Choice Requires="a14">
           <p:sp>
             <p:nvSpPr>
               <p:cNvPr id="54275" name="Rectangle 3"/>
@@ -39386,15 +37978,7 @@
                 </a:pPr>
                 <a:r>
                   <a:rPr lang="he-IL" sz="2000" dirty="0" smtClean="0"/>
-                  <a:t>מציאת מיקום של מחרוזות </a:t>
-                </a:r>
-                <a:r>
-                  <a:rPr lang="he-IL" sz="2000" dirty="0" smtClean="0"/>
-                  <a:t>קצרות על </a:t>
-                </a:r>
-                <a:r>
-                  <a:rPr lang="he-IL" sz="2000" dirty="0" smtClean="0"/>
-                  <a:t>פני מחרוזת ארוכה וידועה מראש.</a:t>
+                  <a:t>מציאת מיקום של מחרוזות קצרות על פני מחרוזת ארוכה וידועה מראש.</a:t>
                 </a:r>
                 <a:endParaRPr lang="en-US" sz="2000" dirty="0">
                   <a:solidFill>
@@ -39428,18 +38012,7 @@
                     <a:ea typeface="+mn-ea"/>
                     <a:cs typeface="+mn-cs"/>
                   </a:rPr>
-                  <a:t>יעילות</a:t>
-                </a:r>
-                <a:r>
-                  <a:rPr lang="he-IL" sz="2000" dirty="0" smtClean="0">
-                    <a:solidFill>
-                      <a:schemeClr val="tx1"/>
-                    </a:solidFill>
-                    <a:latin typeface="+mn-lt"/>
-                    <a:ea typeface="+mn-ea"/>
-                    <a:cs typeface="+mn-cs"/>
-                  </a:rPr>
-                  <a:t>: </a:t>
+                  <a:t>יעילות: </a:t>
                 </a:r>
                 <a14:m>
                   <m:oMath xmlns:m="http://schemas.openxmlformats.org/officeDocument/2006/math">
@@ -39644,7 +38217,7 @@
             </p:txBody>
           </p:sp>
         </mc:Choice>
-        <mc:Fallback>
+        <mc:Fallback xmlns="">
           <p:sp>
             <p:nvSpPr>
               <p:cNvPr id="54275" name="Rectangle 3"/>
